--- a/_organisation/_projectManagement/SWP_PL_Vorstellung_1.pptx
+++ b/_organisation/_projectManagement/SWP_PL_Vorstellung_1.pptx
@@ -7714,7 +7714,7 @@
           <a:pPr rtl="0"/>
           <a:r>
             <a:rPr lang="de-DE" b="0" dirty="0" smtClean="0"/>
-            <a:t>5P</a:t>
+            <a:t>3P</a:t>
           </a:r>
           <a:endParaRPr lang="de-DE" b="0" dirty="0"/>
         </a:p>
@@ -7860,44 +7860,6 @@
         </a:p>
       </dgm:t>
     </dgm:pt>
-    <dgm:pt modelId="{9B0CCE0F-1932-4832-BF65-DB094E18E288}">
-      <dgm:prSet/>
-      <dgm:spPr/>
-      <dgm:t>
-        <a:bodyPr/>
-        <a:lstStyle/>
-        <a:p>
-          <a:pPr rtl="0"/>
-          <a:r>
-            <a:rPr lang="de-DE" b="0" dirty="0" smtClean="0"/>
-            <a:t>Pflege Knowledge Base </a:t>
-          </a:r>
-          <a:endParaRPr lang="de-DE" b="0" dirty="0"/>
-        </a:p>
-      </dgm:t>
-    </dgm:pt>
-    <dgm:pt modelId="{64EBAF2F-60EF-41F1-88A5-03EC401C471E}" type="parTrans" cxnId="{93924EA5-36F8-49AC-B52E-5BD3C7D31BE7}">
-      <dgm:prSet/>
-      <dgm:spPr/>
-      <dgm:t>
-        <a:bodyPr/>
-        <a:lstStyle/>
-        <a:p>
-          <a:endParaRPr lang="de-DE"/>
-        </a:p>
-      </dgm:t>
-    </dgm:pt>
-    <dgm:pt modelId="{0AE1A09B-2CFD-4B54-9341-89FAB39F9320}" type="sibTrans" cxnId="{93924EA5-36F8-49AC-B52E-5BD3C7D31BE7}">
-      <dgm:prSet/>
-      <dgm:spPr/>
-      <dgm:t>
-        <a:bodyPr/>
-        <a:lstStyle/>
-        <a:p>
-          <a:endParaRPr lang="de-DE"/>
-        </a:p>
-      </dgm:t>
-    </dgm:pt>
     <dgm:pt modelId="{54FD22E4-966C-47BF-9C14-1159DB44057F}">
       <dgm:prSet/>
       <dgm:spPr/>
@@ -8263,10 +8225,138 @@
     <dgm:pt modelId="{754FBECE-E2F4-4FB6-ACDA-E09FFA336308}" type="parTrans" cxnId="{CDD32541-EF1A-4879-9F8B-FD56B357E202}">
       <dgm:prSet/>
       <dgm:spPr/>
+      <dgm:t>
+        <a:bodyPr/>
+        <a:lstStyle/>
+        <a:p>
+          <a:endParaRPr lang="de-DE"/>
+        </a:p>
+      </dgm:t>
     </dgm:pt>
     <dgm:pt modelId="{A7E35CF9-9D9E-4C1F-A37C-BE2FCB22D3FA}" type="sibTrans" cxnId="{CDD32541-EF1A-4879-9F8B-FD56B357E202}">
       <dgm:prSet/>
       <dgm:spPr/>
+      <dgm:t>
+        <a:bodyPr/>
+        <a:lstStyle/>
+        <a:p>
+          <a:endParaRPr lang="de-DE"/>
+        </a:p>
+      </dgm:t>
+    </dgm:pt>
+    <dgm:pt modelId="{3CE24604-C654-4936-B143-307A68F4E911}">
+      <dgm:prSet/>
+      <dgm:spPr/>
+      <dgm:t>
+        <a:bodyPr/>
+        <a:lstStyle/>
+        <a:p>
+          <a:pPr rtl="0"/>
+          <a:r>
+            <a:rPr lang="de-DE" b="1" dirty="0" smtClean="0"/>
+            <a:t>Team Knowledge Base</a:t>
+          </a:r>
+          <a:endParaRPr lang="de-DE" b="1" dirty="0"/>
+        </a:p>
+      </dgm:t>
+    </dgm:pt>
+    <dgm:pt modelId="{2F903351-3CB8-45B7-83BB-A1BED1E2B891}" type="parTrans" cxnId="{FCD2D483-8904-4B50-9CBF-EBD8EABAE2AD}">
+      <dgm:prSet/>
+      <dgm:spPr/>
+      <dgm:t>
+        <a:bodyPr/>
+        <a:lstStyle/>
+        <a:p>
+          <a:endParaRPr lang="de-DE"/>
+        </a:p>
+      </dgm:t>
+    </dgm:pt>
+    <dgm:pt modelId="{0B2E316D-969F-4796-A5C2-D792196B857D}" type="sibTrans" cxnId="{FCD2D483-8904-4B50-9CBF-EBD8EABAE2AD}">
+      <dgm:prSet/>
+      <dgm:spPr/>
+      <dgm:t>
+        <a:bodyPr/>
+        <a:lstStyle/>
+        <a:p>
+          <a:endParaRPr lang="de-DE"/>
+        </a:p>
+      </dgm:t>
+    </dgm:pt>
+    <dgm:pt modelId="{B449B436-1EB0-42F4-992D-50FCF20564BC}">
+      <dgm:prSet/>
+      <dgm:spPr/>
+      <dgm:t>
+        <a:bodyPr/>
+        <a:lstStyle/>
+        <a:p>
+          <a:pPr rtl="0"/>
+          <a:r>
+            <a:rPr lang="de-DE" b="0" dirty="0" smtClean="0"/>
+            <a:t>Einrichten einer Knowledge Base</a:t>
+          </a:r>
+          <a:endParaRPr lang="de-DE" b="0" dirty="0"/>
+        </a:p>
+      </dgm:t>
+    </dgm:pt>
+    <dgm:pt modelId="{881690D2-3120-4240-BCE8-9473BB448E39}" type="parTrans" cxnId="{6E328511-F565-4670-8A49-E4849DD0DC5A}">
+      <dgm:prSet/>
+      <dgm:spPr/>
+      <dgm:t>
+        <a:bodyPr/>
+        <a:lstStyle/>
+        <a:p>
+          <a:endParaRPr lang="de-DE"/>
+        </a:p>
+      </dgm:t>
+    </dgm:pt>
+    <dgm:pt modelId="{7B568988-4CF9-43E1-8993-C025C9FF0F73}" type="sibTrans" cxnId="{6E328511-F565-4670-8A49-E4849DD0DC5A}">
+      <dgm:prSet/>
+      <dgm:spPr/>
+      <dgm:t>
+        <a:bodyPr/>
+        <a:lstStyle/>
+        <a:p>
+          <a:endParaRPr lang="de-DE"/>
+        </a:p>
+      </dgm:t>
+    </dgm:pt>
+    <dgm:pt modelId="{8C8D673C-15F3-40EB-B966-C48D1804384A}">
+      <dgm:prSet/>
+      <dgm:spPr/>
+      <dgm:t>
+        <a:bodyPr/>
+        <a:lstStyle/>
+        <a:p>
+          <a:pPr rtl="0"/>
+          <a:r>
+            <a:rPr lang="de-DE" b="0" dirty="0" smtClean="0"/>
+            <a:t>2P</a:t>
+          </a:r>
+          <a:endParaRPr lang="de-DE" b="0" dirty="0"/>
+        </a:p>
+      </dgm:t>
+    </dgm:pt>
+    <dgm:pt modelId="{5D826A99-CB30-4BA4-B222-7BB98702F3C9}" type="parTrans" cxnId="{F7D893B6-E26C-43B5-9435-81A80BE0E15B}">
+      <dgm:prSet/>
+      <dgm:spPr/>
+      <dgm:t>
+        <a:bodyPr/>
+        <a:lstStyle/>
+        <a:p>
+          <a:endParaRPr lang="de-DE"/>
+        </a:p>
+      </dgm:t>
+    </dgm:pt>
+    <dgm:pt modelId="{7A346AD9-1D5D-4012-83B7-D673C419AD3D}" type="sibTrans" cxnId="{F7D893B6-E26C-43B5-9435-81A80BE0E15B}">
+      <dgm:prSet/>
+      <dgm:spPr/>
+      <dgm:t>
+        <a:bodyPr/>
+        <a:lstStyle/>
+        <a:p>
+          <a:endParaRPr lang="de-DE"/>
+        </a:p>
+      </dgm:t>
     </dgm:pt>
     <dgm:pt modelId="{6A759050-9164-446C-BDA8-7215993BA37E}" type="pres">
       <dgm:prSet presAssocID="{0A93A380-8029-4A1E-BF4C-A9C04ECD2AFB}" presName="Name0" presStyleCnt="0">
@@ -8403,79 +8493,83 @@
     </dgm:pt>
   </dgm:ptLst>
   <dgm:cxnLst>
-    <dgm:cxn modelId="{F13AF0B2-F1AD-4395-9163-A9D7203E8EFB}" srcId="{AB701774-879A-4C20-92ED-0DAE7A2269EB}" destId="{A5AE2C4F-40FC-4C70-9EB4-8746745177DE}" srcOrd="1" destOrd="0" parTransId="{0F234389-5E95-4367-BE65-F423BF22FF1B}" sibTransId="{A9F71C33-5D91-4D5B-B5B5-F3B981C7DEB3}"/>
-    <dgm:cxn modelId="{92E4B477-B20E-4209-A94A-D4F0618E10CC}" type="presOf" srcId="{0ED65869-933D-42E6-8444-CB1CF73D4A40}" destId="{7D096049-1556-43D3-B0DE-C92E8537BF09}" srcOrd="0" destOrd="11" presId="urn:microsoft.com/office/officeart/2005/8/layout/hList1"/>
-    <dgm:cxn modelId="{9B897BA8-194D-405C-916D-3357182AAD09}" type="presOf" srcId="{38F81CC6-DF3A-47B9-A4BE-6A1488824047}" destId="{7D096049-1556-43D3-B0DE-C92E8537BF09}" srcOrd="0" destOrd="5" presId="urn:microsoft.com/office/officeart/2005/8/layout/hList1"/>
-    <dgm:cxn modelId="{48566EC1-4D0F-4940-81B8-F33BC913BD75}" type="presOf" srcId="{54D03F33-5849-438F-8835-31F7D1E30FF3}" destId="{86BE18F5-FB46-4414-B004-27C06865E86A}" srcOrd="0" destOrd="1" presId="urn:microsoft.com/office/officeart/2005/8/layout/hList1"/>
-    <dgm:cxn modelId="{CDD32541-EF1A-4879-9F8B-FD56B357E202}" srcId="{67441D18-E67D-452B-B3C5-C4DE1A038DEA}" destId="{45D7C115-EE4B-4C1B-AA9D-710DCABBD559}" srcOrd="0" destOrd="0" parTransId="{754FBECE-E2F4-4FB6-ACDA-E09FFA336308}" sibTransId="{A7E35CF9-9D9E-4C1F-A37C-BE2FCB22D3FA}"/>
-    <dgm:cxn modelId="{D71CF8BC-16B7-4944-A540-CDF62D064642}" type="presOf" srcId="{E758A695-314B-4662-8E72-93BD87F5FCB6}" destId="{EFC0CED6-AF68-4237-A08B-C8A41D33ED91}" srcOrd="0" destOrd="5" presId="urn:microsoft.com/office/officeart/2005/8/layout/hList1"/>
-    <dgm:cxn modelId="{2140E0ED-6D1B-4C45-97B8-18FA77405E0E}" srcId="{0A93A380-8029-4A1E-BF4C-A9C04ECD2AFB}" destId="{B340C128-DDD3-4ABB-B0C5-906DFED7A286}" srcOrd="2" destOrd="0" parTransId="{886600AF-90DA-4952-9553-3E5E82C467D2}" sibTransId="{014C794D-7973-482A-9702-FD2C456E5915}"/>
-    <dgm:cxn modelId="{B2D2C60C-96DA-45A6-90F6-7161430FD9CE}" srcId="{B340C128-DDD3-4ABB-B0C5-906DFED7A286}" destId="{90E85DD8-FDAD-44D2-9A20-24595AC3A32B}" srcOrd="4" destOrd="0" parTransId="{CFC95567-92A9-4F37-9CF2-B7B0FFF49F59}" sibTransId="{93A9B09C-1040-40CC-8E95-BC9E24280213}"/>
-    <dgm:cxn modelId="{45588B2F-AD3F-4B1A-8E8B-99CDC932BF51}" type="presOf" srcId="{56DD5967-2912-4896-ADF9-558511667B03}" destId="{7D096049-1556-43D3-B0DE-C92E8537BF09}" srcOrd="0" destOrd="3" presId="urn:microsoft.com/office/officeart/2005/8/layout/hList1"/>
-    <dgm:cxn modelId="{5AC35B0A-5346-4C91-B2B8-CF02761F73F3}" type="presOf" srcId="{A2F81673-8561-49BC-BE42-5299D082D1BB}" destId="{EFC0CED6-AF68-4237-A08B-C8A41D33ED91}" srcOrd="0" destOrd="0" presId="urn:microsoft.com/office/officeart/2005/8/layout/hList1"/>
-    <dgm:cxn modelId="{3A996228-A220-4E6B-8C1A-CF252D30FFAB}" srcId="{B340C128-DDD3-4ABB-B0C5-906DFED7A286}" destId="{E758A695-314B-4662-8E72-93BD87F5FCB6}" srcOrd="5" destOrd="0" parTransId="{08B7A7B8-52E1-401C-9685-019D182FCEC9}" sibTransId="{AB24B332-6BA8-4817-8A1C-89BA2B5F0A40}"/>
-    <dgm:cxn modelId="{0281DFEC-AA7F-4BDA-B1B6-A7E080983DA0}" type="presOf" srcId="{3F0F60CB-D261-4AC9-A5AE-7E8A327C3AFC}" destId="{AE78CF68-E739-43B3-AC46-F2C806965AEE}" srcOrd="0" destOrd="0" presId="urn:microsoft.com/office/officeart/2005/8/layout/hList1"/>
-    <dgm:cxn modelId="{2EF322C7-6DE9-490B-B83E-D087A59AD27E}" srcId="{97E489ED-5FF0-4AA2-9A91-A0ABBE950499}" destId="{50B3E56B-D9FB-4B05-AD2A-CB5F5C7AA31C}" srcOrd="1" destOrd="0" parTransId="{94C53056-E0A9-4D53-8BFC-05AC8D5CDAFE}" sibTransId="{5A586888-2381-49D8-9D06-AFE9BFDFB6A2}"/>
-    <dgm:cxn modelId="{CD2E227A-9ED8-40F1-8B63-7C60C6A73450}" type="presOf" srcId="{AB701774-879A-4C20-92ED-0DAE7A2269EB}" destId="{86BE18F5-FB46-4414-B004-27C06865E86A}" srcOrd="0" destOrd="0" presId="urn:microsoft.com/office/officeart/2005/8/layout/hList1"/>
-    <dgm:cxn modelId="{337427F0-4830-4DF2-A8E2-48092561A7A2}" type="presOf" srcId="{9D6BF4AE-1651-4D9D-BC28-9A83F6D78159}" destId="{86BE18F5-FB46-4414-B004-27C06865E86A}" srcOrd="0" destOrd="3" presId="urn:microsoft.com/office/officeart/2005/8/layout/hList1"/>
-    <dgm:cxn modelId="{7F28AFCA-9612-48DC-9FAE-005321FCFC42}" srcId="{AB701774-879A-4C20-92ED-0DAE7A2269EB}" destId="{54D03F33-5849-438F-8835-31F7D1E30FF3}" srcOrd="0" destOrd="0" parTransId="{CE0E4773-F6E9-4F6C-8883-697F8C2F8930}" sibTransId="{9568666B-4AAD-404D-9D78-E15C8F50E064}"/>
-    <dgm:cxn modelId="{7CA8961E-8E8A-4534-939F-F1073B21ED2B}" type="presOf" srcId="{F8187121-D164-4903-A3E3-D1E952DFBD7A}" destId="{99F776DF-ACB7-4C2D-9BDB-642EF38B3128}" srcOrd="0" destOrd="0" presId="urn:microsoft.com/office/officeart/2005/8/layout/hList1"/>
-    <dgm:cxn modelId="{5EB00B48-BCD4-49A7-8AE9-4E5C882F202E}" type="presOf" srcId="{49A20C5C-3DAF-46DD-BFDD-C988F57A98C8}" destId="{7D096049-1556-43D3-B0DE-C92E8537BF09}" srcOrd="0" destOrd="10" presId="urn:microsoft.com/office/officeart/2005/8/layout/hList1"/>
-    <dgm:cxn modelId="{CB524AC9-A754-4E33-ACEA-BB84C873C76A}" type="presOf" srcId="{45D7C115-EE4B-4C1B-AA9D-710DCABBD559}" destId="{7D096049-1556-43D3-B0DE-C92E8537BF09}" srcOrd="0" destOrd="1" presId="urn:microsoft.com/office/officeart/2005/8/layout/hList1"/>
-    <dgm:cxn modelId="{28AC522A-0AD5-465C-A0A1-A6F466A86EB2}" type="presOf" srcId="{67441D18-E67D-452B-B3C5-C4DE1A038DEA}" destId="{7D096049-1556-43D3-B0DE-C92E8537BF09}" srcOrd="0" destOrd="0" presId="urn:microsoft.com/office/officeart/2005/8/layout/hList1"/>
-    <dgm:cxn modelId="{342CEC21-B222-463F-9B21-DE7408D699DE}" srcId="{88BE0361-9A69-4EB1-B481-0561CB0ED2DE}" destId="{38F81CC6-DF3A-47B9-A4BE-6A1488824047}" srcOrd="0" destOrd="0" parTransId="{64CD9230-E311-48E4-B0CF-50D5ED1AAF6E}" sibTransId="{5844C318-23D9-493D-9915-2716C82B5FAA}"/>
-    <dgm:cxn modelId="{335615EC-0ADB-4CCE-B72A-C084BF06617D}" type="presOf" srcId="{05A62CC5-5569-4765-A69C-0A4C4FA0127B}" destId="{86BE18F5-FB46-4414-B004-27C06865E86A}" srcOrd="0" destOrd="4" presId="urn:microsoft.com/office/officeart/2005/8/layout/hList1"/>
+    <dgm:cxn modelId="{852F1946-876C-45E3-887C-16162B4D195E}" type="presOf" srcId="{3E09083E-3C80-4770-86EA-D496288B9745}" destId="{86BE18F5-FB46-4414-B004-27C06865E86A}" srcOrd="0" destOrd="14" presId="urn:microsoft.com/office/officeart/2005/8/layout/hList1"/>
     <dgm:cxn modelId="{462A7C11-E5BF-4F21-A52A-9BFBE8382501}" srcId="{67441D18-E67D-452B-B3C5-C4DE1A038DEA}" destId="{C388E520-728E-4CE1-9816-095FFCB45A1C}" srcOrd="1" destOrd="0" parTransId="{11CD07A1-260D-484A-A335-1B41C1CE87EA}" sibTransId="{241BC184-8F1D-4086-A41C-A88694E344BB}"/>
     <dgm:cxn modelId="{B8459E58-776C-471E-9AD9-CBC40B7BC741}" type="presOf" srcId="{97E489ED-5FF0-4AA2-9A91-A0ABBE950499}" destId="{7D096049-1556-43D3-B0DE-C92E8537BF09}" srcOrd="0" destOrd="7" presId="urn:microsoft.com/office/officeart/2005/8/layout/hList1"/>
-    <dgm:cxn modelId="{CA8FB687-1814-4049-B702-75602B960EA9}" type="presOf" srcId="{3D6E2B96-EFA5-433F-A1C0-8503806D4ADB}" destId="{86BE18F5-FB46-4414-B004-27C06865E86A}" srcOrd="0" destOrd="6" presId="urn:microsoft.com/office/officeart/2005/8/layout/hList1"/>
-    <dgm:cxn modelId="{C0B6EAAD-C2E8-468E-9D16-D410063D0031}" type="presOf" srcId="{4C647F47-06F8-48A8-8A30-A3C9039B3505}" destId="{86BE18F5-FB46-4414-B004-27C06865E86A}" srcOrd="0" destOrd="9" presId="urn:microsoft.com/office/officeart/2005/8/layout/hList1"/>
-    <dgm:cxn modelId="{3EB2CBEA-13BA-4DF4-8452-74443FD451B6}" type="presOf" srcId="{C388E520-728E-4CE1-9816-095FFCB45A1C}" destId="{7D096049-1556-43D3-B0DE-C92E8537BF09}" srcOrd="0" destOrd="2" presId="urn:microsoft.com/office/officeart/2005/8/layout/hList1"/>
-    <dgm:cxn modelId="{7F36C7EF-6D48-4DBC-A12E-3B05B544A46F}" type="presOf" srcId="{54FD22E4-966C-47BF-9C14-1159DB44057F}" destId="{86BE18F5-FB46-4414-B004-27C06865E86A}" srcOrd="0" destOrd="11" presId="urn:microsoft.com/office/officeart/2005/8/layout/hList1"/>
-    <dgm:cxn modelId="{75B725E1-82AE-4C30-A682-EB0C6DFD70B8}" type="presOf" srcId="{75CAA9B4-675B-4BA1-B185-D5C2E09AFFFE}" destId="{86BE18F5-FB46-4414-B004-27C06865E86A}" srcOrd="0" destOrd="5" presId="urn:microsoft.com/office/officeart/2005/8/layout/hList1"/>
+    <dgm:cxn modelId="{3A996228-A220-4E6B-8C1A-CF252D30FFAB}" srcId="{B340C128-DDD3-4ABB-B0C5-906DFED7A286}" destId="{E758A695-314B-4662-8E72-93BD87F5FCB6}" srcOrd="5" destOrd="0" parTransId="{08B7A7B8-52E1-401C-9685-019D182FCEC9}" sibTransId="{AB24B332-6BA8-4817-8A1C-89BA2B5F0A40}"/>
+    <dgm:cxn modelId="{019273A7-0CA2-439E-B77E-0566FFA04613}" type="presOf" srcId="{D6BC2914-C13F-44CF-B206-BECA53A5912E}" destId="{86BE18F5-FB46-4414-B004-27C06865E86A}" srcOrd="0" destOrd="11" presId="urn:microsoft.com/office/officeart/2005/8/layout/hList1"/>
+    <dgm:cxn modelId="{B9DCE07C-EE36-45B9-8AB8-83304F9D5B4C}" srcId="{FBD44DFD-6C60-42AA-94C8-69A7AC68B3B1}" destId="{54FD22E4-966C-47BF-9C14-1159DB44057F}" srcOrd="2" destOrd="0" parTransId="{824B7F30-DD1C-4293-8EBA-C6379494EC96}" sibTransId="{71660E44-8A5C-47D1-88E9-611AB387ED10}"/>
+    <dgm:cxn modelId="{B2D2C60C-96DA-45A6-90F6-7161430FD9CE}" srcId="{B340C128-DDD3-4ABB-B0C5-906DFED7A286}" destId="{90E85DD8-FDAD-44D2-9A20-24595AC3A32B}" srcOrd="4" destOrd="0" parTransId="{CFC95567-92A9-4F37-9CF2-B7B0FFF49F59}" sibTransId="{93A9B09C-1040-40CC-8E95-BC9E24280213}"/>
+    <dgm:cxn modelId="{37566F76-FBB5-4676-81FA-8D5DB83FC7B4}" srcId="{3F0F60CB-D261-4AC9-A5AE-7E8A327C3AFC}" destId="{88BE0361-9A69-4EB1-B481-0561CB0ED2DE}" srcOrd="1" destOrd="0" parTransId="{76193357-E4DF-4301-B58F-5769CCDD93C6}" sibTransId="{1168681B-C6C9-4622-B2AD-9F2B78035F98}"/>
     <dgm:cxn modelId="{DBAB5F47-9A4A-4D79-8838-39CEC01EF0B7}" srcId="{FBD44DFD-6C60-42AA-94C8-69A7AC68B3B1}" destId="{D6BC2914-C13F-44CF-B206-BECA53A5912E}" srcOrd="0" destOrd="0" parTransId="{6C4B22D6-50E1-4E49-B688-C1423188F486}" sibTransId="{E116ADD8-0120-48E0-8CD1-D1ECA10FFB9C}"/>
-    <dgm:cxn modelId="{A758A64E-1E5C-4FF9-BE66-CE91ECEA90AA}" type="presOf" srcId="{50B3E56B-D9FB-4B05-AD2A-CB5F5C7AA31C}" destId="{7D096049-1556-43D3-B0DE-C92E8537BF09}" srcOrd="0" destOrd="9" presId="urn:microsoft.com/office/officeart/2005/8/layout/hList1"/>
+    <dgm:cxn modelId="{D71CF8BC-16B7-4944-A540-CDF62D064642}" type="presOf" srcId="{E758A695-314B-4662-8E72-93BD87F5FCB6}" destId="{EFC0CED6-AF68-4237-A08B-C8A41D33ED91}" srcOrd="0" destOrd="5" presId="urn:microsoft.com/office/officeart/2005/8/layout/hList1"/>
+    <dgm:cxn modelId="{FCD2D483-8904-4B50-9CBF-EBD8EABAE2AD}" srcId="{F8187121-D164-4903-A3E3-D1E952DFBD7A}" destId="{3CE24604-C654-4936-B143-307A68F4E911}" srcOrd="1" destOrd="0" parTransId="{2F903351-3CB8-45B7-83BB-A1BED1E2B891}" sibTransId="{0B2E316D-969F-4796-A5C2-D792196B857D}"/>
+    <dgm:cxn modelId="{CD2E227A-9ED8-40F1-8B63-7C60C6A73450}" type="presOf" srcId="{AB701774-879A-4C20-92ED-0DAE7A2269EB}" destId="{86BE18F5-FB46-4414-B004-27C06865E86A}" srcOrd="0" destOrd="0" presId="urn:microsoft.com/office/officeart/2005/8/layout/hList1"/>
+    <dgm:cxn modelId="{59A6538A-BA1E-4277-B0BD-CD9095B5E949}" srcId="{FBD44DFD-6C60-42AA-94C8-69A7AC68B3B1}" destId="{3E09083E-3C80-4770-86EA-D496288B9745}" srcOrd="3" destOrd="0" parTransId="{9267C5F9-E74C-48C8-BC03-FDD0D5E3936F}" sibTransId="{8824E7FD-4BFB-47B1-9353-99639743FAD7}"/>
+    <dgm:cxn modelId="{45588B2F-AD3F-4B1A-8E8B-99CDC932BF51}" type="presOf" srcId="{56DD5967-2912-4896-ADF9-558511667B03}" destId="{7D096049-1556-43D3-B0DE-C92E8537BF09}" srcOrd="0" destOrd="3" presId="urn:microsoft.com/office/officeart/2005/8/layout/hList1"/>
+    <dgm:cxn modelId="{C08935C2-9D32-4CC3-B4BE-2EF52A65A4A7}" srcId="{0A93A380-8029-4A1E-BF4C-A9C04ECD2AFB}" destId="{3F0F60CB-D261-4AC9-A5AE-7E8A327C3AFC}" srcOrd="0" destOrd="0" parTransId="{FB8D8D7B-F5FF-456E-9640-0EDCF1DC04BD}" sibTransId="{649FAB1D-7A5A-4C19-8448-9F4199D11B92}"/>
+    <dgm:cxn modelId="{F13AF0B2-F1AD-4395-9163-A9D7203E8EFB}" srcId="{AB701774-879A-4C20-92ED-0DAE7A2269EB}" destId="{A5AE2C4F-40FC-4C70-9EB4-8746745177DE}" srcOrd="1" destOrd="0" parTransId="{0F234389-5E95-4367-BE65-F423BF22FF1B}" sibTransId="{A9F71C33-5D91-4D5B-B5B5-F3B981C7DEB3}"/>
+    <dgm:cxn modelId="{D1ACBD30-9013-4DDB-8E7B-5562DFCEF259}" srcId="{B340C128-DDD3-4ABB-B0C5-906DFED7A286}" destId="{A2F81673-8561-49BC-BE42-5299D082D1BB}" srcOrd="0" destOrd="0" parTransId="{A5B8D3B7-E728-4C51-9CBF-BE649337D970}" sibTransId="{B0AA4B81-1D71-4E42-B05F-6EF1B4F4E8FE}"/>
+    <dgm:cxn modelId="{495A2A63-575A-4417-9861-14FD9C7CFAE4}" type="presOf" srcId="{3CE24604-C654-4936-B143-307A68F4E911}" destId="{86BE18F5-FB46-4414-B004-27C06865E86A}" srcOrd="0" destOrd="4" presId="urn:microsoft.com/office/officeart/2005/8/layout/hList1"/>
+    <dgm:cxn modelId="{015BF451-945A-4EC0-A354-38C8382FE812}" type="presOf" srcId="{DF1E1CDF-9077-4364-9FE7-3E132A6EB13F}" destId="{7D096049-1556-43D3-B0DE-C92E8537BF09}" srcOrd="0" destOrd="12" presId="urn:microsoft.com/office/officeart/2005/8/layout/hList1"/>
+    <dgm:cxn modelId="{B649E5D2-EE1B-41E1-A0C8-85DA08F2A7B1}" srcId="{F8187121-D164-4903-A3E3-D1E952DFBD7A}" destId="{AB701774-879A-4C20-92ED-0DAE7A2269EB}" srcOrd="0" destOrd="0" parTransId="{E2BB6C7C-3F6C-4F10-9F46-1D29106C4605}" sibTransId="{5F21D126-D88B-4D63-9890-3CFB57E6845B}"/>
+    <dgm:cxn modelId="{9B897BA8-194D-405C-916D-3357182AAD09}" type="presOf" srcId="{38F81CC6-DF3A-47B9-A4BE-6A1488824047}" destId="{7D096049-1556-43D3-B0DE-C92E8537BF09}" srcOrd="0" destOrd="5" presId="urn:microsoft.com/office/officeart/2005/8/layout/hList1"/>
+    <dgm:cxn modelId="{5EB00B48-BCD4-49A7-8AE9-4E5C882F202E}" type="presOf" srcId="{49A20C5C-3DAF-46DD-BFDD-C988F57A98C8}" destId="{7D096049-1556-43D3-B0DE-C92E8537BF09}" srcOrd="0" destOrd="10" presId="urn:microsoft.com/office/officeart/2005/8/layout/hList1"/>
+    <dgm:cxn modelId="{2EF322C7-6DE9-490B-B83E-D087A59AD27E}" srcId="{97E489ED-5FF0-4AA2-9A91-A0ABBE950499}" destId="{50B3E56B-D9FB-4B05-AD2A-CB5F5C7AA31C}" srcOrd="1" destOrd="0" parTransId="{94C53056-E0A9-4D53-8BFC-05AC8D5CDAFE}" sibTransId="{5A586888-2381-49D8-9D06-AFE9BFDFB6A2}"/>
+    <dgm:cxn modelId="{4A78C4A4-7918-4D10-A989-AFEA19C7546B}" type="presOf" srcId="{16C73769-CE0E-4E3D-A2F7-3B859CE81F13}" destId="{7D096049-1556-43D3-B0DE-C92E8537BF09}" srcOrd="0" destOrd="6" presId="urn:microsoft.com/office/officeart/2005/8/layout/hList1"/>
+    <dgm:cxn modelId="{335615EC-0ADB-4CCE-B72A-C084BF06617D}" type="presOf" srcId="{05A62CC5-5569-4765-A69C-0A4C4FA0127B}" destId="{86BE18F5-FB46-4414-B004-27C06865E86A}" srcOrd="0" destOrd="7" presId="urn:microsoft.com/office/officeart/2005/8/layout/hList1"/>
+    <dgm:cxn modelId="{7F28AFCA-9612-48DC-9FAE-005321FCFC42}" srcId="{AB701774-879A-4C20-92ED-0DAE7A2269EB}" destId="{54D03F33-5849-438F-8835-31F7D1E30FF3}" srcOrd="0" destOrd="0" parTransId="{CE0E4773-F6E9-4F6C-8883-697F8C2F8930}" sibTransId="{9568666B-4AAD-404D-9D78-E15C8F50E064}"/>
+    <dgm:cxn modelId="{0281DFEC-AA7F-4BDA-B1B6-A7E080983DA0}" type="presOf" srcId="{3F0F60CB-D261-4AC9-A5AE-7E8A327C3AFC}" destId="{AE78CF68-E739-43B3-AC46-F2C806965AEE}" srcOrd="0" destOrd="0" presId="urn:microsoft.com/office/officeart/2005/8/layout/hList1"/>
+    <dgm:cxn modelId="{CB524AC9-A754-4E33-ACEA-BB84C873C76A}" type="presOf" srcId="{45D7C115-EE4B-4C1B-AA9D-710DCABBD559}" destId="{7D096049-1556-43D3-B0DE-C92E8537BF09}" srcOrd="0" destOrd="1" presId="urn:microsoft.com/office/officeart/2005/8/layout/hList1"/>
+    <dgm:cxn modelId="{CA8FB687-1814-4049-B702-75602B960EA9}" type="presOf" srcId="{3D6E2B96-EFA5-433F-A1C0-8503806D4ADB}" destId="{86BE18F5-FB46-4414-B004-27C06865E86A}" srcOrd="0" destOrd="9" presId="urn:microsoft.com/office/officeart/2005/8/layout/hList1"/>
+    <dgm:cxn modelId="{AEAE87E7-5596-4BE3-B08D-D2527C76E0C6}" srcId="{B340C128-DDD3-4ABB-B0C5-906DFED7A286}" destId="{801DDAA2-A563-4C59-91A4-59662FC1ED49}" srcOrd="3" destOrd="0" parTransId="{B2C10181-364B-4190-A6D1-19F7FA53FF7A}" sibTransId="{87036866-43C1-4CC9-BECE-20158F1CDA94}"/>
+    <dgm:cxn modelId="{A612C2E3-D22C-4E0E-856D-CC8C4C1F2EA1}" srcId="{B340C128-DDD3-4ABB-B0C5-906DFED7A286}" destId="{42F69E23-D5C1-4633-975B-237B90E37812}" srcOrd="2" destOrd="0" parTransId="{270263E6-32C2-46B2-8B62-BD38BD39A214}" sibTransId="{A3AFAD11-1660-4E3E-A9DA-32255A8960FF}"/>
     <dgm:cxn modelId="{75B9EF9C-E563-4EBE-8A2F-2AA3D4AC8A18}" srcId="{97E489ED-5FF0-4AA2-9A91-A0ABBE950499}" destId="{49A20C5C-3DAF-46DD-BFDD-C988F57A98C8}" srcOrd="2" destOrd="0" parTransId="{1745766D-6691-435A-9A4B-AD1933567CD5}" sibTransId="{14C76078-76C4-4B16-9EC2-864B386E0977}"/>
-    <dgm:cxn modelId="{019273A7-0CA2-439E-B77E-0566FFA04613}" type="presOf" srcId="{D6BC2914-C13F-44CF-B206-BECA53A5912E}" destId="{86BE18F5-FB46-4414-B004-27C06865E86A}" srcOrd="0" destOrd="8" presId="urn:microsoft.com/office/officeart/2005/8/layout/hList1"/>
-    <dgm:cxn modelId="{53D5F3B2-5EDC-4EDC-BB98-D16D513EA93B}" srcId="{3F0F60CB-D261-4AC9-A5AE-7E8A327C3AFC}" destId="{97E489ED-5FF0-4AA2-9A91-A0ABBE950499}" srcOrd="2" destOrd="0" parTransId="{B8513C30-5AC7-4971-8DA1-F67CBABD850E}" sibTransId="{791FA63B-ED4C-47D4-BCF6-76B10534A758}"/>
-    <dgm:cxn modelId="{E694F2C6-4158-4950-B107-2E65338AA199}" type="presOf" srcId="{232973AC-431B-4617-8B75-109917BE44B9}" destId="{EFC0CED6-AF68-4237-A08B-C8A41D33ED91}" srcOrd="0" destOrd="1" presId="urn:microsoft.com/office/officeart/2005/8/layout/hList1"/>
-    <dgm:cxn modelId="{CE3EEDC5-E770-4625-A84E-29D6EE18F807}" type="presOf" srcId="{88BE0361-9A69-4EB1-B481-0561CB0ED2DE}" destId="{7D096049-1556-43D3-B0DE-C92E8537BF09}" srcOrd="0" destOrd="4" presId="urn:microsoft.com/office/officeart/2005/8/layout/hList1"/>
-    <dgm:cxn modelId="{77B7FA65-33AB-4373-907F-9AE381C52218}" srcId="{3F0F60CB-D261-4AC9-A5AE-7E8A327C3AFC}" destId="{0ED65869-933D-42E6-8444-CB1CF73D4A40}" srcOrd="3" destOrd="0" parTransId="{16D31542-901A-4BA2-B4A6-E8AFBDFB4870}" sibTransId="{8675FF53-737E-4084-8229-9B05F37B4325}"/>
-    <dgm:cxn modelId="{852F1946-876C-45E3-887C-16162B4D195E}" type="presOf" srcId="{3E09083E-3C80-4770-86EA-D496288B9745}" destId="{86BE18F5-FB46-4414-B004-27C06865E86A}" srcOrd="0" destOrd="12" presId="urn:microsoft.com/office/officeart/2005/8/layout/hList1"/>
-    <dgm:cxn modelId="{F01465B2-D3A7-4700-B65C-AB3843BB69F4}" srcId="{B340C128-DDD3-4ABB-B0C5-906DFED7A286}" destId="{232973AC-431B-4617-8B75-109917BE44B9}" srcOrd="1" destOrd="0" parTransId="{BEE95261-87C7-4857-8937-49A4F8F728AF}" sibTransId="{0BBE1CA7-3ADF-4E34-AF81-D1E5BEC2E847}"/>
-    <dgm:cxn modelId="{B0E12594-9998-414D-950B-F9E4AA235D98}" srcId="{AB701774-879A-4C20-92ED-0DAE7A2269EB}" destId="{9D6BF4AE-1651-4D9D-BC28-9A83F6D78159}" srcOrd="2" destOrd="0" parTransId="{0E6166ED-3491-42C8-A82B-4ED956A433E0}" sibTransId="{486C74A8-1E1C-4D0C-81CA-0B8C20AFF862}"/>
-    <dgm:cxn modelId="{8F07D9F3-2A4A-464F-A3A1-C6F8376ACFBF}" type="presOf" srcId="{42F69E23-D5C1-4633-975B-237B90E37812}" destId="{EFC0CED6-AF68-4237-A08B-C8A41D33ED91}" srcOrd="0" destOrd="2" presId="urn:microsoft.com/office/officeart/2005/8/layout/hList1"/>
-    <dgm:cxn modelId="{A44E4374-2040-4C1C-B2C4-283A5F8BF5DB}" srcId="{F8187121-D164-4903-A3E3-D1E952DFBD7A}" destId="{05A62CC5-5569-4765-A69C-0A4C4FA0127B}" srcOrd="1" destOrd="0" parTransId="{C983A085-75FB-497E-BEDB-E53BF73E4C61}" sibTransId="{55AA9717-5561-4672-955D-C01DA6FE2FBD}"/>
-    <dgm:cxn modelId="{12F13A8C-FF15-4A80-9567-61FC189EE6D4}" type="presOf" srcId="{801DDAA2-A563-4C59-91A4-59662FC1ED49}" destId="{EFC0CED6-AF68-4237-A08B-C8A41D33ED91}" srcOrd="0" destOrd="3" presId="urn:microsoft.com/office/officeart/2005/8/layout/hList1"/>
-    <dgm:cxn modelId="{82551D3C-5657-4E78-9CC3-F2DB6732700E}" type="presOf" srcId="{616D810F-025E-4AB4-AE66-B813A6845FD9}" destId="{7D096049-1556-43D3-B0DE-C92E8537BF09}" srcOrd="0" destOrd="8" presId="urn:microsoft.com/office/officeart/2005/8/layout/hList1"/>
-    <dgm:cxn modelId="{A612C2E3-D22C-4E0E-856D-CC8C4C1F2EA1}" srcId="{B340C128-DDD3-4ABB-B0C5-906DFED7A286}" destId="{42F69E23-D5C1-4633-975B-237B90E37812}" srcOrd="2" destOrd="0" parTransId="{270263E6-32C2-46B2-8B62-BD38BD39A214}" sibTransId="{A3AFAD11-1660-4E3E-A9DA-32255A8960FF}"/>
-    <dgm:cxn modelId="{B3ACC49C-0D5C-4000-BB25-53BA7EF2BE5C}" srcId="{3F0F60CB-D261-4AC9-A5AE-7E8A327C3AFC}" destId="{67441D18-E67D-452B-B3C5-C4DE1A038DEA}" srcOrd="0" destOrd="0" parTransId="{1370D184-7C96-4D9D-B8EB-CC3AE8A668D0}" sibTransId="{78430C24-7BE5-4958-81A6-647D93198D5D}"/>
-    <dgm:cxn modelId="{32F89DED-0A3E-43EE-839E-A2462831A5AF}" srcId="{0ED65869-933D-42E6-8444-CB1CF73D4A40}" destId="{DF1E1CDF-9077-4364-9FE7-3E132A6EB13F}" srcOrd="0" destOrd="0" parTransId="{14329F37-E973-49AE-AB68-89B9F229F852}" sibTransId="{A172D41E-E71F-4D03-8BEE-EE46C1F2D01F}"/>
-    <dgm:cxn modelId="{4A07AE57-2D9D-421A-9936-746A3BCD4533}" type="presOf" srcId="{FBD44DFD-6C60-42AA-94C8-69A7AC68B3B1}" destId="{86BE18F5-FB46-4414-B004-27C06865E86A}" srcOrd="0" destOrd="7" presId="urn:microsoft.com/office/officeart/2005/8/layout/hList1"/>
-    <dgm:cxn modelId="{C9EA3185-1666-47FB-9FC4-BFAEA790D0D7}" srcId="{F8187121-D164-4903-A3E3-D1E952DFBD7A}" destId="{FBD44DFD-6C60-42AA-94C8-69A7AC68B3B1}" srcOrd="2" destOrd="0" parTransId="{678ADBE1-9080-4D91-B030-B0E3C0605F66}" sibTransId="{5C11A31F-82CA-4BF4-8EFE-4C0FEF889EF0}"/>
-    <dgm:cxn modelId="{37566F76-FBB5-4676-81FA-8D5DB83FC7B4}" srcId="{3F0F60CB-D261-4AC9-A5AE-7E8A327C3AFC}" destId="{88BE0361-9A69-4EB1-B481-0561CB0ED2DE}" srcOrd="1" destOrd="0" parTransId="{76193357-E4DF-4301-B58F-5769CCDD93C6}" sibTransId="{1168681B-C6C9-4622-B2AD-9F2B78035F98}"/>
-    <dgm:cxn modelId="{5C09E3FE-C018-4CE6-8FDE-EDDCD903F5DE}" srcId="{FBD44DFD-6C60-42AA-94C8-69A7AC68B3B1}" destId="{4C647F47-06F8-48A8-8A30-A3C9039B3505}" srcOrd="1" destOrd="0" parTransId="{3FBD96F4-404F-472E-B875-B4CC61C7745A}" sibTransId="{673CF82E-F4FA-48ED-A0A0-AC5F8ED217FC}"/>
-    <dgm:cxn modelId="{59A6538A-BA1E-4277-B0BD-CD9095B5E949}" srcId="{FBD44DFD-6C60-42AA-94C8-69A7AC68B3B1}" destId="{3E09083E-3C80-4770-86EA-D496288B9745}" srcOrd="4" destOrd="0" parTransId="{9267C5F9-E74C-48C8-BC03-FDD0D5E3936F}" sibTransId="{8824E7FD-4BFB-47B1-9353-99639743FAD7}"/>
-    <dgm:cxn modelId="{8CD4B782-5853-46C5-9A52-BBD72E24F2F5}" srcId="{0ED65869-933D-42E6-8444-CB1CF73D4A40}" destId="{9AF874D5-51E0-48E0-9521-364FFDF508DE}" srcOrd="1" destOrd="0" parTransId="{F8AD185A-C755-4E02-892F-A7BAC5455CDF}" sibTransId="{3E729C48-40CC-4288-9C01-684DBC0FE33B}"/>
-    <dgm:cxn modelId="{48262071-B717-4FD7-9B66-BEA297CFC1AC}" type="presOf" srcId="{A5AE2C4F-40FC-4C70-9EB4-8746745177DE}" destId="{86BE18F5-FB46-4414-B004-27C06865E86A}" srcOrd="0" destOrd="2" presId="urn:microsoft.com/office/officeart/2005/8/layout/hList1"/>
-    <dgm:cxn modelId="{FF5C6BD1-3463-4997-BD0B-968AD86097A2}" srcId="{97E489ED-5FF0-4AA2-9A91-A0ABBE950499}" destId="{616D810F-025E-4AB4-AE66-B813A6845FD9}" srcOrd="0" destOrd="0" parTransId="{4DFF7108-27DF-48C6-A6F4-9D930D952889}" sibTransId="{3822F67D-163F-426A-AC40-41B54C0B9AB8}"/>
-    <dgm:cxn modelId="{D1ACBD30-9013-4DDB-8E7B-5562DFCEF259}" srcId="{B340C128-DDD3-4ABB-B0C5-906DFED7A286}" destId="{A2F81673-8561-49BC-BE42-5299D082D1BB}" srcOrd="0" destOrd="0" parTransId="{A5B8D3B7-E728-4C51-9CBF-BE649337D970}" sibTransId="{B0AA4B81-1D71-4E42-B05F-6EF1B4F4E8FE}"/>
-    <dgm:cxn modelId="{AEAE87E7-5596-4BE3-B08D-D2527C76E0C6}" srcId="{B340C128-DDD3-4ABB-B0C5-906DFED7A286}" destId="{801DDAA2-A563-4C59-91A4-59662FC1ED49}" srcOrd="3" destOrd="0" parTransId="{B2C10181-364B-4190-A6D1-19F7FA53FF7A}" sibTransId="{87036866-43C1-4CC9-BECE-20158F1CDA94}"/>
-    <dgm:cxn modelId="{93924EA5-36F8-49AC-B52E-5BD3C7D31BE7}" srcId="{FBD44DFD-6C60-42AA-94C8-69A7AC68B3B1}" destId="{9B0CCE0F-1932-4832-BF65-DB094E18E288}" srcOrd="2" destOrd="0" parTransId="{64EBAF2F-60EF-41F1-88A5-03EC401C471E}" sibTransId="{0AE1A09B-2CFD-4B54-9341-89FAB39F9320}"/>
-    <dgm:cxn modelId="{4E7FB439-1008-4909-97FD-A65ABA87ACFE}" type="presOf" srcId="{90E85DD8-FDAD-44D2-9A20-24595AC3A32B}" destId="{EFC0CED6-AF68-4237-A08B-C8A41D33ED91}" srcOrd="0" destOrd="4" presId="urn:microsoft.com/office/officeart/2005/8/layout/hList1"/>
-    <dgm:cxn modelId="{B649E5D2-EE1B-41E1-A0C8-85DA08F2A7B1}" srcId="{F8187121-D164-4903-A3E3-D1E952DFBD7A}" destId="{AB701774-879A-4C20-92ED-0DAE7A2269EB}" srcOrd="0" destOrd="0" parTransId="{E2BB6C7C-3F6C-4F10-9F46-1D29106C4605}" sibTransId="{5F21D126-D88B-4D63-9890-3CFB57E6845B}"/>
-    <dgm:cxn modelId="{F8ECA0D7-998D-4E3B-B3D9-F79350CF05A9}" type="presOf" srcId="{9AF874D5-51E0-48E0-9521-364FFDF508DE}" destId="{7D096049-1556-43D3-B0DE-C92E8537BF09}" srcOrd="0" destOrd="13" presId="urn:microsoft.com/office/officeart/2005/8/layout/hList1"/>
-    <dgm:cxn modelId="{B58970C6-E70C-473B-8727-467537157086}" srcId="{0A93A380-8029-4A1E-BF4C-A9C04ECD2AFB}" destId="{F8187121-D164-4903-A3E3-D1E952DFBD7A}" srcOrd="1" destOrd="0" parTransId="{80828853-963B-48D0-8C9C-ED2084256C56}" sibTransId="{6CE65D44-AA4E-41C0-A38A-C0BF3894760B}"/>
     <dgm:cxn modelId="{BDB90335-41FA-4393-9995-069123D8C4F6}" srcId="{67441D18-E67D-452B-B3C5-C4DE1A038DEA}" destId="{56DD5967-2912-4896-ADF9-558511667B03}" srcOrd="2" destOrd="0" parTransId="{1108642B-BED1-4BAE-98C0-63E4F19C8986}" sibTransId="{D0DC391C-4C52-4EDD-954D-2CB65D73ECDC}"/>
     <dgm:cxn modelId="{85D49EA9-1125-4A66-93E5-24018CEA5084}" srcId="{05A62CC5-5569-4765-A69C-0A4C4FA0127B}" destId="{75CAA9B4-675B-4BA1-B185-D5C2E09AFFFE}" srcOrd="0" destOrd="0" parTransId="{D46D7FE6-DCB4-47D7-B6E6-0A6177F4A0B4}" sibTransId="{51F089B6-2BE0-45D7-B26C-D75DE9F26104}"/>
+    <dgm:cxn modelId="{A758A64E-1E5C-4FF9-BE66-CE91ECEA90AA}" type="presOf" srcId="{50B3E56B-D9FB-4B05-AD2A-CB5F5C7AA31C}" destId="{7D096049-1556-43D3-B0DE-C92E8537BF09}" srcOrd="0" destOrd="9" presId="urn:microsoft.com/office/officeart/2005/8/layout/hList1"/>
+    <dgm:cxn modelId="{E694F2C6-4158-4950-B107-2E65338AA199}" type="presOf" srcId="{232973AC-431B-4617-8B75-109917BE44B9}" destId="{EFC0CED6-AF68-4237-A08B-C8A41D33ED91}" srcOrd="0" destOrd="1" presId="urn:microsoft.com/office/officeart/2005/8/layout/hList1"/>
+    <dgm:cxn modelId="{48566EC1-4D0F-4940-81B8-F33BC913BD75}" type="presOf" srcId="{54D03F33-5849-438F-8835-31F7D1E30FF3}" destId="{86BE18F5-FB46-4414-B004-27C06865E86A}" srcOrd="0" destOrd="1" presId="urn:microsoft.com/office/officeart/2005/8/layout/hList1"/>
     <dgm:cxn modelId="{7997A8FC-8750-41DB-B044-04398CC46FDC}" srcId="{88BE0361-9A69-4EB1-B481-0561CB0ED2DE}" destId="{16C73769-CE0E-4E3D-A2F7-3B859CE81F13}" srcOrd="1" destOrd="0" parTransId="{E8BEF749-DAAC-438B-976D-422E7A00A94B}" sibTransId="{BB21524D-E935-4DBA-81EE-9EA59CF9C819}"/>
-    <dgm:cxn modelId="{B9DCE07C-EE36-45B9-8AB8-83304F9D5B4C}" srcId="{FBD44DFD-6C60-42AA-94C8-69A7AC68B3B1}" destId="{54FD22E4-966C-47BF-9C14-1159DB44057F}" srcOrd="3" destOrd="0" parTransId="{824B7F30-DD1C-4293-8EBA-C6379494EC96}" sibTransId="{71660E44-8A5C-47D1-88E9-611AB387ED10}"/>
-    <dgm:cxn modelId="{015BF451-945A-4EC0-A354-38C8382FE812}" type="presOf" srcId="{DF1E1CDF-9077-4364-9FE7-3E132A6EB13F}" destId="{7D096049-1556-43D3-B0DE-C92E8537BF09}" srcOrd="0" destOrd="12" presId="urn:microsoft.com/office/officeart/2005/8/layout/hList1"/>
+    <dgm:cxn modelId="{F8ECA0D7-998D-4E3B-B3D9-F79350CF05A9}" type="presOf" srcId="{9AF874D5-51E0-48E0-9521-364FFDF508DE}" destId="{7D096049-1556-43D3-B0DE-C92E8537BF09}" srcOrd="0" destOrd="13" presId="urn:microsoft.com/office/officeart/2005/8/layout/hList1"/>
+    <dgm:cxn modelId="{EFC2A367-B103-4653-A621-3FD6F9F52234}" type="presOf" srcId="{0A93A380-8029-4A1E-BF4C-A9C04ECD2AFB}" destId="{6A759050-9164-446C-BDA8-7215993BA37E}" srcOrd="0" destOrd="0" presId="urn:microsoft.com/office/officeart/2005/8/layout/hList1"/>
+    <dgm:cxn modelId="{FF5C6BD1-3463-4997-BD0B-968AD86097A2}" srcId="{97E489ED-5FF0-4AA2-9A91-A0ABBE950499}" destId="{616D810F-025E-4AB4-AE66-B813A6845FD9}" srcOrd="0" destOrd="0" parTransId="{4DFF7108-27DF-48C6-A6F4-9D930D952889}" sibTransId="{3822F67D-163F-426A-AC40-41B54C0B9AB8}"/>
     <dgm:cxn modelId="{4CC9285F-C39A-4100-99AE-305408FAFBC3}" type="presOf" srcId="{B340C128-DDD3-4ABB-B0C5-906DFED7A286}" destId="{18C55B71-9DF9-4221-8ADD-8993EDB95586}" srcOrd="0" destOrd="0" presId="urn:microsoft.com/office/officeart/2005/8/layout/hList1"/>
+    <dgm:cxn modelId="{5AC35B0A-5346-4C91-B2B8-CF02761F73F3}" type="presOf" srcId="{A2F81673-8561-49BC-BE42-5299D082D1BB}" destId="{EFC0CED6-AF68-4237-A08B-C8A41D33ED91}" srcOrd="0" destOrd="0" presId="urn:microsoft.com/office/officeart/2005/8/layout/hList1"/>
+    <dgm:cxn modelId="{B3ACC49C-0D5C-4000-BB25-53BA7EF2BE5C}" srcId="{3F0F60CB-D261-4AC9-A5AE-7E8A327C3AFC}" destId="{67441D18-E67D-452B-B3C5-C4DE1A038DEA}" srcOrd="0" destOrd="0" parTransId="{1370D184-7C96-4D9D-B8EB-CC3AE8A668D0}" sibTransId="{78430C24-7BE5-4958-81A6-647D93198D5D}"/>
+    <dgm:cxn modelId="{12F13A8C-FF15-4A80-9567-61FC189EE6D4}" type="presOf" srcId="{801DDAA2-A563-4C59-91A4-59662FC1ED49}" destId="{EFC0CED6-AF68-4237-A08B-C8A41D33ED91}" srcOrd="0" destOrd="3" presId="urn:microsoft.com/office/officeart/2005/8/layout/hList1"/>
+    <dgm:cxn modelId="{92E4B477-B20E-4209-A94A-D4F0618E10CC}" type="presOf" srcId="{0ED65869-933D-42E6-8444-CB1CF73D4A40}" destId="{7D096049-1556-43D3-B0DE-C92E8537BF09}" srcOrd="0" destOrd="11" presId="urn:microsoft.com/office/officeart/2005/8/layout/hList1"/>
+    <dgm:cxn modelId="{28AC522A-0AD5-465C-A0A1-A6F466A86EB2}" type="presOf" srcId="{67441D18-E67D-452B-B3C5-C4DE1A038DEA}" destId="{7D096049-1556-43D3-B0DE-C92E8537BF09}" srcOrd="0" destOrd="0" presId="urn:microsoft.com/office/officeart/2005/8/layout/hList1"/>
+    <dgm:cxn modelId="{B0E12594-9998-414D-950B-F9E4AA235D98}" srcId="{AB701774-879A-4C20-92ED-0DAE7A2269EB}" destId="{9D6BF4AE-1651-4D9D-BC28-9A83F6D78159}" srcOrd="2" destOrd="0" parTransId="{0E6166ED-3491-42C8-A82B-4ED956A433E0}" sibTransId="{486C74A8-1E1C-4D0C-81CA-0B8C20AFF862}"/>
+    <dgm:cxn modelId="{8CD4B782-5853-46C5-9A52-BBD72E24F2F5}" srcId="{0ED65869-933D-42E6-8444-CB1CF73D4A40}" destId="{9AF874D5-51E0-48E0-9521-364FFDF508DE}" srcOrd="1" destOrd="0" parTransId="{F8AD185A-C755-4E02-892F-A7BAC5455CDF}" sibTransId="{3E729C48-40CC-4288-9C01-684DBC0FE33B}"/>
+    <dgm:cxn modelId="{8F07D9F3-2A4A-464F-A3A1-C6F8376ACFBF}" type="presOf" srcId="{42F69E23-D5C1-4633-975B-237B90E37812}" destId="{EFC0CED6-AF68-4237-A08B-C8A41D33ED91}" srcOrd="0" destOrd="2" presId="urn:microsoft.com/office/officeart/2005/8/layout/hList1"/>
+    <dgm:cxn modelId="{75B725E1-82AE-4C30-A682-EB0C6DFD70B8}" type="presOf" srcId="{75CAA9B4-675B-4BA1-B185-D5C2E09AFFFE}" destId="{86BE18F5-FB46-4414-B004-27C06865E86A}" srcOrd="0" destOrd="8" presId="urn:microsoft.com/office/officeart/2005/8/layout/hList1"/>
+    <dgm:cxn modelId="{5C09E3FE-C018-4CE6-8FDE-EDDCD903F5DE}" srcId="{FBD44DFD-6C60-42AA-94C8-69A7AC68B3B1}" destId="{4C647F47-06F8-48A8-8A30-A3C9039B3505}" srcOrd="1" destOrd="0" parTransId="{3FBD96F4-404F-472E-B875-B4CC61C7745A}" sibTransId="{673CF82E-F4FA-48ED-A0A0-AC5F8ED217FC}"/>
+    <dgm:cxn modelId="{48262071-B717-4FD7-9B66-BEA297CFC1AC}" type="presOf" srcId="{A5AE2C4F-40FC-4C70-9EB4-8746745177DE}" destId="{86BE18F5-FB46-4414-B004-27C06865E86A}" srcOrd="0" destOrd="2" presId="urn:microsoft.com/office/officeart/2005/8/layout/hList1"/>
+    <dgm:cxn modelId="{53D5F3B2-5EDC-4EDC-BB98-D16D513EA93B}" srcId="{3F0F60CB-D261-4AC9-A5AE-7E8A327C3AFC}" destId="{97E489ED-5FF0-4AA2-9A91-A0ABBE950499}" srcOrd="2" destOrd="0" parTransId="{B8513C30-5AC7-4971-8DA1-F67CBABD850E}" sibTransId="{791FA63B-ED4C-47D4-BCF6-76B10534A758}"/>
+    <dgm:cxn modelId="{82551D3C-5657-4E78-9CC3-F2DB6732700E}" type="presOf" srcId="{616D810F-025E-4AB4-AE66-B813A6845FD9}" destId="{7D096049-1556-43D3-B0DE-C92E8537BF09}" srcOrd="0" destOrd="8" presId="urn:microsoft.com/office/officeart/2005/8/layout/hList1"/>
+    <dgm:cxn modelId="{342CEC21-B222-463F-9B21-DE7408D699DE}" srcId="{88BE0361-9A69-4EB1-B481-0561CB0ED2DE}" destId="{38F81CC6-DF3A-47B9-A4BE-6A1488824047}" srcOrd="0" destOrd="0" parTransId="{64CD9230-E311-48E4-B0CF-50D5ED1AAF6E}" sibTransId="{5844C318-23D9-493D-9915-2716C82B5FAA}"/>
+    <dgm:cxn modelId="{CE3EEDC5-E770-4625-A84E-29D6EE18F807}" type="presOf" srcId="{88BE0361-9A69-4EB1-B481-0561CB0ED2DE}" destId="{7D096049-1556-43D3-B0DE-C92E8537BF09}" srcOrd="0" destOrd="4" presId="urn:microsoft.com/office/officeart/2005/8/layout/hList1"/>
+    <dgm:cxn modelId="{F01465B2-D3A7-4700-B65C-AB3843BB69F4}" srcId="{B340C128-DDD3-4ABB-B0C5-906DFED7A286}" destId="{232973AC-431B-4617-8B75-109917BE44B9}" srcOrd="1" destOrd="0" parTransId="{BEE95261-87C7-4857-8937-49A4F8F728AF}" sibTransId="{0BBE1CA7-3ADF-4E34-AF81-D1E5BEC2E847}"/>
+    <dgm:cxn modelId="{A44E4374-2040-4C1C-B2C4-283A5F8BF5DB}" srcId="{F8187121-D164-4903-A3E3-D1E952DFBD7A}" destId="{05A62CC5-5569-4765-A69C-0A4C4FA0127B}" srcOrd="2" destOrd="0" parTransId="{C983A085-75FB-497E-BEDB-E53BF73E4C61}" sibTransId="{55AA9717-5561-4672-955D-C01DA6FE2FBD}"/>
+    <dgm:cxn modelId="{7CA8961E-8E8A-4534-939F-F1073B21ED2B}" type="presOf" srcId="{F8187121-D164-4903-A3E3-D1E952DFBD7A}" destId="{99F776DF-ACB7-4C2D-9BDB-642EF38B3128}" srcOrd="0" destOrd="0" presId="urn:microsoft.com/office/officeart/2005/8/layout/hList1"/>
+    <dgm:cxn modelId="{2140E0ED-6D1B-4C45-97B8-18FA77405E0E}" srcId="{0A93A380-8029-4A1E-BF4C-A9C04ECD2AFB}" destId="{B340C128-DDD3-4ABB-B0C5-906DFED7A286}" srcOrd="2" destOrd="0" parTransId="{886600AF-90DA-4952-9553-3E5E82C467D2}" sibTransId="{014C794D-7973-482A-9702-FD2C456E5915}"/>
+    <dgm:cxn modelId="{7F36C7EF-6D48-4DBC-A12E-3B05B544A46F}" type="presOf" srcId="{54FD22E4-966C-47BF-9C14-1159DB44057F}" destId="{86BE18F5-FB46-4414-B004-27C06865E86A}" srcOrd="0" destOrd="13" presId="urn:microsoft.com/office/officeart/2005/8/layout/hList1"/>
+    <dgm:cxn modelId="{B58970C6-E70C-473B-8727-467537157086}" srcId="{0A93A380-8029-4A1E-BF4C-A9C04ECD2AFB}" destId="{F8187121-D164-4903-A3E3-D1E952DFBD7A}" srcOrd="1" destOrd="0" parTransId="{80828853-963B-48D0-8C9C-ED2084256C56}" sibTransId="{6CE65D44-AA4E-41C0-A38A-C0BF3894760B}"/>
+    <dgm:cxn modelId="{C9EA3185-1666-47FB-9FC4-BFAEA790D0D7}" srcId="{F8187121-D164-4903-A3E3-D1E952DFBD7A}" destId="{FBD44DFD-6C60-42AA-94C8-69A7AC68B3B1}" srcOrd="3" destOrd="0" parTransId="{678ADBE1-9080-4D91-B030-B0E3C0605F66}" sibTransId="{5C11A31F-82CA-4BF4-8EFE-4C0FEF889EF0}"/>
+    <dgm:cxn modelId="{3EB2CBEA-13BA-4DF4-8452-74443FD451B6}" type="presOf" srcId="{C388E520-728E-4CE1-9816-095FFCB45A1C}" destId="{7D096049-1556-43D3-B0DE-C92E8537BF09}" srcOrd="0" destOrd="2" presId="urn:microsoft.com/office/officeart/2005/8/layout/hList1"/>
+    <dgm:cxn modelId="{C0B6EAAD-C2E8-468E-9D16-D410063D0031}" type="presOf" srcId="{4C647F47-06F8-48A8-8A30-A3C9039B3505}" destId="{86BE18F5-FB46-4414-B004-27C06865E86A}" srcOrd="0" destOrd="12" presId="urn:microsoft.com/office/officeart/2005/8/layout/hList1"/>
     <dgm:cxn modelId="{0B18CF2F-B0FA-4879-B3BC-CE3F51FB87F0}" srcId="{05A62CC5-5569-4765-A69C-0A4C4FA0127B}" destId="{3D6E2B96-EFA5-433F-A1C0-8503806D4ADB}" srcOrd="1" destOrd="0" parTransId="{F22D4AF0-D529-4176-8470-F164E2AD1D3A}" sibTransId="{737743D9-C17C-4D4D-9594-D62E7511C28D}"/>
-    <dgm:cxn modelId="{4A78C4A4-7918-4D10-A989-AFEA19C7546B}" type="presOf" srcId="{16C73769-CE0E-4E3D-A2F7-3B859CE81F13}" destId="{7D096049-1556-43D3-B0DE-C92E8537BF09}" srcOrd="0" destOrd="6" presId="urn:microsoft.com/office/officeart/2005/8/layout/hList1"/>
-    <dgm:cxn modelId="{DE9F9382-60D3-482A-A05B-AD9712A94929}" type="presOf" srcId="{9B0CCE0F-1932-4832-BF65-DB094E18E288}" destId="{86BE18F5-FB46-4414-B004-27C06865E86A}" srcOrd="0" destOrd="10" presId="urn:microsoft.com/office/officeart/2005/8/layout/hList1"/>
-    <dgm:cxn modelId="{C08935C2-9D32-4CC3-B4BE-2EF52A65A4A7}" srcId="{0A93A380-8029-4A1E-BF4C-A9C04ECD2AFB}" destId="{3F0F60CB-D261-4AC9-A5AE-7E8A327C3AFC}" srcOrd="0" destOrd="0" parTransId="{FB8D8D7B-F5FF-456E-9640-0EDCF1DC04BD}" sibTransId="{649FAB1D-7A5A-4C19-8448-9F4199D11B92}"/>
-    <dgm:cxn modelId="{EFC2A367-B103-4653-A621-3FD6F9F52234}" type="presOf" srcId="{0A93A380-8029-4A1E-BF4C-A9C04ECD2AFB}" destId="{6A759050-9164-446C-BDA8-7215993BA37E}" srcOrd="0" destOrd="0" presId="urn:microsoft.com/office/officeart/2005/8/layout/hList1"/>
+    <dgm:cxn modelId="{337427F0-4830-4DF2-A8E2-48092561A7A2}" type="presOf" srcId="{9D6BF4AE-1651-4D9D-BC28-9A83F6D78159}" destId="{86BE18F5-FB46-4414-B004-27C06865E86A}" srcOrd="0" destOrd="3" presId="urn:microsoft.com/office/officeart/2005/8/layout/hList1"/>
+    <dgm:cxn modelId="{6E328511-F565-4670-8A49-E4849DD0DC5A}" srcId="{3CE24604-C654-4936-B143-307A68F4E911}" destId="{B449B436-1EB0-42F4-992D-50FCF20564BC}" srcOrd="0" destOrd="0" parTransId="{881690D2-3120-4240-BCE8-9473BB448E39}" sibTransId="{7B568988-4CF9-43E1-8993-C025C9FF0F73}"/>
+    <dgm:cxn modelId="{32F89DED-0A3E-43EE-839E-A2462831A5AF}" srcId="{0ED65869-933D-42E6-8444-CB1CF73D4A40}" destId="{DF1E1CDF-9077-4364-9FE7-3E132A6EB13F}" srcOrd="0" destOrd="0" parTransId="{14329F37-E973-49AE-AB68-89B9F229F852}" sibTransId="{A172D41E-E71F-4D03-8BEE-EE46C1F2D01F}"/>
+    <dgm:cxn modelId="{4A07AE57-2D9D-421A-9936-746A3BCD4533}" type="presOf" srcId="{FBD44DFD-6C60-42AA-94C8-69A7AC68B3B1}" destId="{86BE18F5-FB46-4414-B004-27C06865E86A}" srcOrd="0" destOrd="10" presId="urn:microsoft.com/office/officeart/2005/8/layout/hList1"/>
+    <dgm:cxn modelId="{F7D893B6-E26C-43B5-9435-81A80BE0E15B}" srcId="{3CE24604-C654-4936-B143-307A68F4E911}" destId="{8C8D673C-15F3-40EB-B966-C48D1804384A}" srcOrd="1" destOrd="0" parTransId="{5D826A99-CB30-4BA4-B222-7BB98702F3C9}" sibTransId="{7A346AD9-1D5D-4012-83B7-D673C419AD3D}"/>
+    <dgm:cxn modelId="{77B7FA65-33AB-4373-907F-9AE381C52218}" srcId="{3F0F60CB-D261-4AC9-A5AE-7E8A327C3AFC}" destId="{0ED65869-933D-42E6-8444-CB1CF73D4A40}" srcOrd="3" destOrd="0" parTransId="{16D31542-901A-4BA2-B4A6-E8AFBDFB4870}" sibTransId="{8675FF53-737E-4084-8229-9B05F37B4325}"/>
+    <dgm:cxn modelId="{7B00F1BE-860B-44A9-BDED-4D92DF120FDD}" type="presOf" srcId="{8C8D673C-15F3-40EB-B966-C48D1804384A}" destId="{86BE18F5-FB46-4414-B004-27C06865E86A}" srcOrd="0" destOrd="6" presId="urn:microsoft.com/office/officeart/2005/8/layout/hList1"/>
+    <dgm:cxn modelId="{6F722958-592E-4DF6-8A4B-11624D9AFEA9}" type="presOf" srcId="{B449B436-1EB0-42F4-992D-50FCF20564BC}" destId="{86BE18F5-FB46-4414-B004-27C06865E86A}" srcOrd="0" destOrd="5" presId="urn:microsoft.com/office/officeart/2005/8/layout/hList1"/>
+    <dgm:cxn modelId="{CDD32541-EF1A-4879-9F8B-FD56B357E202}" srcId="{67441D18-E67D-452B-B3C5-C4DE1A038DEA}" destId="{45D7C115-EE4B-4C1B-AA9D-710DCABBD559}" srcOrd="0" destOrd="0" parTransId="{754FBECE-E2F4-4FB6-ACDA-E09FFA336308}" sibTransId="{A7E35CF9-9D9E-4C1F-A37C-BE2FCB22D3FA}"/>
+    <dgm:cxn modelId="{4E7FB439-1008-4909-97FD-A65ABA87ACFE}" type="presOf" srcId="{90E85DD8-FDAD-44D2-9A20-24595AC3A32B}" destId="{EFC0CED6-AF68-4237-A08B-C8A41D33ED91}" srcOrd="0" destOrd="4" presId="urn:microsoft.com/office/officeart/2005/8/layout/hList1"/>
     <dgm:cxn modelId="{8A1BDB85-B2FE-4C9C-AA3F-E9BA5E40F8C9}" type="presParOf" srcId="{6A759050-9164-446C-BDA8-7215993BA37E}" destId="{C02A345D-197C-4244-BFAF-A7989A1321FD}" srcOrd="0" destOrd="0" presId="urn:microsoft.com/office/officeart/2005/8/layout/hList1"/>
     <dgm:cxn modelId="{491FC537-CD60-4F25-8CB2-8231FD40126F}" type="presParOf" srcId="{C02A345D-197C-4244-BFAF-A7989A1321FD}" destId="{AE78CF68-E739-43B3-AC46-F2C806965AEE}" srcOrd="0" destOrd="0" presId="urn:microsoft.com/office/officeart/2005/8/layout/hList1"/>
     <dgm:cxn modelId="{35DD2EA2-1E7F-4984-860E-503F8CF97AB3}" type="presParOf" srcId="{C02A345D-197C-4244-BFAF-A7989A1321FD}" destId="{7D096049-1556-43D3-B0DE-C92E8537BF09}" srcOrd="1" destOrd="0" presId="urn:microsoft.com/office/officeart/2005/8/layout/hList1"/>
@@ -9596,51 +9690,51 @@
     </dgm:pt>
   </dgm:ptLst>
   <dgm:cxnLst>
-    <dgm:cxn modelId="{BF8E423A-6A5C-4C3E-AE44-9DFCF91F7045}" srcId="{9C8DAEF8-F5F7-4E9E-A708-54BF0C2BC066}" destId="{EB686489-B86F-4383-A8D3-9A490011DFFC}" srcOrd="2" destOrd="0" parTransId="{ABF637C6-F305-48A0-8258-AD2D59371946}" sibTransId="{F4FAA2D8-87C6-4A09-9056-A9C44F022E54}"/>
-    <dgm:cxn modelId="{5B040760-AE85-4632-B39B-C8C99DB61034}" type="presOf" srcId="{D940C2CA-F39B-4F61-AB37-31E6216D07DA}" destId="{CE80ECA5-7339-4215-B587-5EFA6BC985C0}" srcOrd="0" destOrd="2" presId="urn:diagrams.loki3.com/BracketList+Icon"/>
-    <dgm:cxn modelId="{81A3E637-8215-41AC-A548-490E33236ECD}" srcId="{66DF5763-6884-41E8-9591-C2DE67A62467}" destId="{E911D76F-6E03-40B1-92F0-D3111BB2E6A7}" srcOrd="0" destOrd="0" parTransId="{0595C0B1-FD87-475A-9A4A-365A47FD4FC8}" sibTransId="{83992A9C-87EC-42AF-981A-5C6AAB94E092}"/>
-    <dgm:cxn modelId="{6312725C-6208-4601-8AD2-DD53EB049908}" type="presOf" srcId="{36DD6872-74EA-4018-A65F-FEA9CC1CED33}" destId="{7BE8DD00-CB7B-4863-A858-31788497E04D}" srcOrd="0" destOrd="4" presId="urn:diagrams.loki3.com/BracketList+Icon"/>
-    <dgm:cxn modelId="{195A5839-6CB6-4347-92B3-23793F8F9450}" type="presOf" srcId="{47945883-2B54-4C17-B158-A12E618350DB}" destId="{B517AF31-6FAB-4D9E-8F8E-1D2E5BBE3689}" srcOrd="0" destOrd="0" presId="urn:diagrams.loki3.com/BracketList+Icon"/>
-    <dgm:cxn modelId="{D9640E53-9C70-434E-9582-BA787B96785A}" srcId="{DFCABAF1-30BF-4285-B5BB-F0283B22D6A9}" destId="{A45DF65B-6C7A-4C4F-B3E1-83FDC9028B72}" srcOrd="3" destOrd="0" parTransId="{177CC71D-47AA-47D6-8697-31C8917217FB}" sibTransId="{B522ACF4-4CD2-4059-B2C1-D09B63A01A8E}"/>
-    <dgm:cxn modelId="{EEFE167C-B2C5-45E2-BBC9-63D8B24CB349}" type="presOf" srcId="{262454E9-9EA6-4B2F-955D-BA4C2B0DBB9C}" destId="{CE80ECA5-7339-4215-B587-5EFA6BC985C0}" srcOrd="0" destOrd="1" presId="urn:diagrams.loki3.com/BracketList+Icon"/>
-    <dgm:cxn modelId="{7673C166-397C-46E8-879E-7C4C4BC4C958}" type="presOf" srcId="{45431640-F7D6-476E-BADE-4284203697DB}" destId="{CE80ECA5-7339-4215-B587-5EFA6BC985C0}" srcOrd="0" destOrd="0" presId="urn:diagrams.loki3.com/BracketList+Icon"/>
-    <dgm:cxn modelId="{ABB010DE-72A5-419F-844A-BA7163697484}" srcId="{9C8DAEF8-F5F7-4E9E-A708-54BF0C2BC066}" destId="{C8F061B7-BB00-4966-98B3-24DBD63A3D42}" srcOrd="3" destOrd="0" parTransId="{56F7A74A-192B-4372-8862-BF8CF6CC5DB1}" sibTransId="{5955B984-41E7-43D1-BFE9-EE039CCA33F4}"/>
-    <dgm:cxn modelId="{265F4744-498D-4B17-9D16-92C93C68B303}" type="presOf" srcId="{32237B8C-9886-4875-8DF9-AE36989B0701}" destId="{647408E1-7157-4324-B8E1-B58F089C8EE5}" srcOrd="0" destOrd="1" presId="urn:diagrams.loki3.com/BracketList+Icon"/>
-    <dgm:cxn modelId="{F690990B-4ED9-4E41-AD1E-80CCE59961F4}" type="presOf" srcId="{371D6EC3-90FC-43E6-BB08-701F534124DB}" destId="{854727B6-9FD1-448D-8E57-E18FAC4C7C96}" srcOrd="0" destOrd="2" presId="urn:diagrams.loki3.com/BracketList+Icon"/>
-    <dgm:cxn modelId="{71192C2C-1F91-43D9-A28B-DC14ED30E82F}" type="presOf" srcId="{66DF5763-6884-41E8-9591-C2DE67A62467}" destId="{05CC4756-C57D-4808-9390-5827625C87D4}" srcOrd="0" destOrd="0" presId="urn:diagrams.loki3.com/BracketList+Icon"/>
-    <dgm:cxn modelId="{4AB565F3-1D23-4649-A69E-0114345A2396}" srcId="{47945883-2B54-4C17-B158-A12E618350DB}" destId="{45431640-F7D6-476E-BADE-4284203697DB}" srcOrd="0" destOrd="0" parTransId="{D61CA3BF-1533-446F-875D-201340D6C9A9}" sibTransId="{4593AA1A-9633-4D13-8F35-FC7CE2A808B6}"/>
-    <dgm:cxn modelId="{EB60DAA0-12E4-458B-AA11-A8CD8B062A5F}" srcId="{376134D9-6ED0-4C6B-9D27-724A974511D4}" destId="{371D6EC3-90FC-43E6-BB08-701F534124DB}" srcOrd="2" destOrd="0" parTransId="{C3200525-7E96-4778-9507-43DAF25765B0}" sibTransId="{F0A2A777-BB3B-4402-B47C-651433569785}"/>
-    <dgm:cxn modelId="{0974CE2D-ED92-4344-8FD8-45BAE9E6FF79}" type="presOf" srcId="{17B05AF8-1385-4368-8F57-289399DC0405}" destId="{7BE8DD00-CB7B-4863-A858-31788497E04D}" srcOrd="0" destOrd="0" presId="urn:diagrams.loki3.com/BracketList+Icon"/>
-    <dgm:cxn modelId="{9A14CDC6-E9D4-47DF-B10B-67E1027A0821}" srcId="{A45DF65B-6C7A-4C4F-B3E1-83FDC9028B72}" destId="{3B0DDAB5-FCA9-43CF-9073-F437B49B1453}" srcOrd="0" destOrd="0" parTransId="{3000F079-706E-4E87-B158-242A3FB73C3A}" sibTransId="{2C19A77F-5593-4DE5-BFEA-1417828E8593}"/>
-    <dgm:cxn modelId="{0C65EB0C-1AAA-4409-AE40-4B86F047191D}" srcId="{47945883-2B54-4C17-B158-A12E618350DB}" destId="{D940C2CA-F39B-4F61-AB37-31E6216D07DA}" srcOrd="2" destOrd="0" parTransId="{D418FBE2-02AD-4224-88CD-75EC402EEA43}" sibTransId="{5FF21EEA-4DCE-4916-955A-BBA33049F8F0}"/>
-    <dgm:cxn modelId="{77BB1523-6FF1-41D9-B1C5-90374AE7C48C}" type="presOf" srcId="{376134D9-6ED0-4C6B-9D27-724A974511D4}" destId="{46C1EFBD-5069-4FD8-9BA0-285C89452E32}" srcOrd="0" destOrd="0" presId="urn:diagrams.loki3.com/BracketList+Icon"/>
-    <dgm:cxn modelId="{967B4848-EF25-48DF-A31B-A0E95E7F7E25}" type="presOf" srcId="{166D5789-E04B-4CA4-87E0-2550B98D27A9}" destId="{CE80ECA5-7339-4215-B587-5EFA6BC985C0}" srcOrd="0" destOrd="3" presId="urn:diagrams.loki3.com/BracketList+Icon"/>
-    <dgm:cxn modelId="{BFB18973-BFDE-402E-ACB6-5D07F461BFCD}" srcId="{376134D9-6ED0-4C6B-9D27-724A974511D4}" destId="{D88C1106-621F-4D51-BBA6-8A2E910DBE22}" srcOrd="1" destOrd="0" parTransId="{8C8D6F1B-F226-4091-BAEC-D74574242C3C}" sibTransId="{C5D75D5F-4659-4762-BBC1-430F7ACB4DBF}"/>
+    <dgm:cxn modelId="{EF53AEB3-BB69-4ACA-8A31-57BBF4ED621D}" srcId="{9C8DAEF8-F5F7-4E9E-A708-54BF0C2BC066}" destId="{17B05AF8-1385-4368-8F57-289399DC0405}" srcOrd="0" destOrd="0" parTransId="{F1EEDDFC-7435-4CB9-9572-AE420DCE91D8}" sibTransId="{D6AD9DDB-2FA1-43E8-9CE3-932753BD85CA}"/>
     <dgm:cxn modelId="{B8DCC964-E124-4826-A7D8-34442E9C7E96}" srcId="{DFCABAF1-30BF-4285-B5BB-F0283B22D6A9}" destId="{66DF5763-6884-41E8-9591-C2DE67A62467}" srcOrd="4" destOrd="0" parTransId="{F7D65451-91EB-4973-87BF-CE27554D0725}" sibTransId="{51C3ECE2-6D36-47EA-BAB9-3BE2FC6E2B49}"/>
-    <dgm:cxn modelId="{BAE77766-91B9-4A1D-BBBC-D90150DC9983}" srcId="{66DF5763-6884-41E8-9591-C2DE67A62467}" destId="{32237B8C-9886-4875-8DF9-AE36989B0701}" srcOrd="1" destOrd="0" parTransId="{E427E88E-A0AC-48F9-BF0D-0238A64E8F14}" sibTransId="{5C66D28D-799A-425F-BD7B-219EECCFBF74}"/>
-    <dgm:cxn modelId="{9E369EEA-9B54-442D-8C45-FF8D63CAA4A8}" type="presOf" srcId="{E14C8476-9103-41DF-A856-EB3AF0FAD2BD}" destId="{C88BC2F6-31F3-46B4-8298-F041201A10B8}" srcOrd="0" destOrd="1" presId="urn:diagrams.loki3.com/BracketList+Icon"/>
-    <dgm:cxn modelId="{11A84BFF-FFC6-4C1D-9E99-079D47264213}" type="presOf" srcId="{DFCABAF1-30BF-4285-B5BB-F0283B22D6A9}" destId="{51508A71-7F78-4F04-B594-D1609FA13172}" srcOrd="0" destOrd="0" presId="urn:diagrams.loki3.com/BracketList+Icon"/>
-    <dgm:cxn modelId="{DFC8333B-610A-4B6E-A974-76B83F729977}" srcId="{A45DF65B-6C7A-4C4F-B3E1-83FDC9028B72}" destId="{E14C8476-9103-41DF-A856-EB3AF0FAD2BD}" srcOrd="1" destOrd="0" parTransId="{F7766187-FD28-4498-96AC-4A2ED2EC1075}" sibTransId="{153A422E-A407-46EE-84F0-B082462BACF2}"/>
-    <dgm:cxn modelId="{4FA86FBE-8FD7-449A-A210-C152C55ABBA3}" type="presOf" srcId="{C8F061B7-BB00-4966-98B3-24DBD63A3D42}" destId="{7BE8DD00-CB7B-4863-A858-31788497E04D}" srcOrd="0" destOrd="3" presId="urn:diagrams.loki3.com/BracketList+Icon"/>
-    <dgm:cxn modelId="{C14E3671-29BF-4BE1-BCF5-AF3247A2AD33}" type="presOf" srcId="{3B0DDAB5-FCA9-43CF-9073-F437B49B1453}" destId="{C88BC2F6-31F3-46B4-8298-F041201A10B8}" srcOrd="0" destOrd="0" presId="urn:diagrams.loki3.com/BracketList+Icon"/>
-    <dgm:cxn modelId="{A36FD3BC-15DF-4C91-95A2-CBEAAF7B3CEB}" srcId="{DFCABAF1-30BF-4285-B5BB-F0283B22D6A9}" destId="{376134D9-6ED0-4C6B-9D27-724A974511D4}" srcOrd="1" destOrd="0" parTransId="{0101DEB7-B4C1-41FB-95DB-0BC214CF14FE}" sibTransId="{4C61A3B6-EB5F-4AFE-82F3-0E43055167AA}"/>
-    <dgm:cxn modelId="{5820BC6F-A73B-4585-9FE0-F36978C00603}" type="presOf" srcId="{A45DF65B-6C7A-4C4F-B3E1-83FDC9028B72}" destId="{A52FDD77-F2B7-4C0B-8E18-88F7006B0E0A}" srcOrd="0" destOrd="0" presId="urn:diagrams.loki3.com/BracketList+Icon"/>
-    <dgm:cxn modelId="{EF53AEB3-BB69-4ACA-8A31-57BBF4ED621D}" srcId="{9C8DAEF8-F5F7-4E9E-A708-54BF0C2BC066}" destId="{17B05AF8-1385-4368-8F57-289399DC0405}" srcOrd="0" destOrd="0" parTransId="{F1EEDDFC-7435-4CB9-9572-AE420DCE91D8}" sibTransId="{D6AD9DDB-2FA1-43E8-9CE3-932753BD85CA}"/>
-    <dgm:cxn modelId="{BEA8588B-C40E-4C5B-BD06-9894D4DEC156}" srcId="{376134D9-6ED0-4C6B-9D27-724A974511D4}" destId="{0B83D85B-29D7-4DBC-91AB-816285522719}" srcOrd="0" destOrd="0" parTransId="{BDA8B636-EAAA-4947-9E82-DB495B1C5524}" sibTransId="{B3038A4D-0DAB-45E9-8D74-98671766AB63}"/>
-    <dgm:cxn modelId="{0042F0FA-56D3-431A-8231-E5DBFC04D043}" srcId="{9C8DAEF8-F5F7-4E9E-A708-54BF0C2BC066}" destId="{36DD6872-74EA-4018-A65F-FEA9CC1CED33}" srcOrd="4" destOrd="0" parTransId="{92848399-D36D-4091-A9AB-F0983807B910}" sibTransId="{80E0535C-095B-4ECE-84DB-9AF564810A86}"/>
-    <dgm:cxn modelId="{EF313F55-1135-4989-B74C-EF102EEF41E1}" type="presOf" srcId="{DAACA8BA-9284-4B52-A84F-E6C1A032DB83}" destId="{7BE8DD00-CB7B-4863-A858-31788497E04D}" srcOrd="0" destOrd="1" presId="urn:diagrams.loki3.com/BracketList+Icon"/>
-    <dgm:cxn modelId="{E0C91253-294B-477D-9042-691FA731CF28}" type="presOf" srcId="{0B83D85B-29D7-4DBC-91AB-816285522719}" destId="{854727B6-9FD1-448D-8E57-E18FAC4C7C96}" srcOrd="0" destOrd="0" presId="urn:diagrams.loki3.com/BracketList+Icon"/>
-    <dgm:cxn modelId="{35DA1CCD-6DCC-4AC6-BCC2-E181C65EEB64}" srcId="{9C8DAEF8-F5F7-4E9E-A708-54BF0C2BC066}" destId="{DAACA8BA-9284-4B52-A84F-E6C1A032DB83}" srcOrd="1" destOrd="0" parTransId="{BE087DEA-3406-46A4-8A22-40460728BDB2}" sibTransId="{6E229E8D-85DD-40F5-A875-C5D027DC62F6}"/>
-    <dgm:cxn modelId="{DAAB6AF6-445A-47A6-AB9A-30DE1AD2F47E}" type="presOf" srcId="{9C8DAEF8-F5F7-4E9E-A708-54BF0C2BC066}" destId="{C0230830-6CFD-43E3-B7FB-5973B6067B8C}" srcOrd="0" destOrd="0" presId="urn:diagrams.loki3.com/BracketList+Icon"/>
-    <dgm:cxn modelId="{399B9A9B-9860-4643-AFAA-74957F96C98B}" srcId="{376134D9-6ED0-4C6B-9D27-724A974511D4}" destId="{7E1975B0-E463-42C2-A884-2E03AA7E02F0}" srcOrd="3" destOrd="0" parTransId="{F78F40EE-388F-4130-A796-13DCABC68A83}" sibTransId="{BA0DB7B4-AD8B-412F-9345-2ED50FAA2377}"/>
-    <dgm:cxn modelId="{3D39E353-5DB1-4F1A-A508-70E6EB228E02}" type="presOf" srcId="{7E1975B0-E463-42C2-A884-2E03AA7E02F0}" destId="{854727B6-9FD1-448D-8E57-E18FAC4C7C96}" srcOrd="0" destOrd="3" presId="urn:diagrams.loki3.com/BracketList+Icon"/>
-    <dgm:cxn modelId="{1A4BEDAA-6B7E-46E2-B801-859A0BAEDA3E}" srcId="{DFCABAF1-30BF-4285-B5BB-F0283B22D6A9}" destId="{47945883-2B54-4C17-B158-A12E618350DB}" srcOrd="0" destOrd="0" parTransId="{E997DDAF-D7D3-43B8-898A-4595E56D2B89}" sibTransId="{82B7C5B7-8870-4898-AD56-17BF3A324FD6}"/>
-    <dgm:cxn modelId="{2BCAFCD5-7E1E-4471-953F-37CD9D329B5F}" srcId="{47945883-2B54-4C17-B158-A12E618350DB}" destId="{262454E9-9EA6-4B2F-955D-BA4C2B0DBB9C}" srcOrd="1" destOrd="0" parTransId="{4BDF2464-13E2-4441-BF0E-0F06E63F059E}" sibTransId="{29F6DD73-86D2-464B-A450-7CEF3705D5D6}"/>
-    <dgm:cxn modelId="{F00A3F35-96B1-40C1-9481-1A0736FF027C}" srcId="{DFCABAF1-30BF-4285-B5BB-F0283B22D6A9}" destId="{9C8DAEF8-F5F7-4E9E-A708-54BF0C2BC066}" srcOrd="2" destOrd="0" parTransId="{74AE1A4C-F2EB-4CF5-BC08-2BE11382BE6E}" sibTransId="{43FE0646-CF39-4B21-B8D8-485BACB6A226}"/>
-    <dgm:cxn modelId="{1E1FA397-B16A-4C0C-A13C-4319F5D4B809}" type="presOf" srcId="{E911D76F-6E03-40B1-92F0-D3111BB2E6A7}" destId="{647408E1-7157-4324-B8E1-B58F089C8EE5}" srcOrd="0" destOrd="0" presId="urn:diagrams.loki3.com/BracketList+Icon"/>
-    <dgm:cxn modelId="{FDAAE4BE-AF3C-432D-90C0-2766C26B0910}" type="presOf" srcId="{D88C1106-621F-4D51-BBA6-8A2E910DBE22}" destId="{854727B6-9FD1-448D-8E57-E18FAC4C7C96}" srcOrd="0" destOrd="1" presId="urn:diagrams.loki3.com/BracketList+Icon"/>
     <dgm:cxn modelId="{18D20FE3-886A-4EAA-8566-D04DE48E6CB8}" srcId="{47945883-2B54-4C17-B158-A12E618350DB}" destId="{166D5789-E04B-4CA4-87E0-2550B98D27A9}" srcOrd="3" destOrd="0" parTransId="{987D1850-A3C6-43DF-BB5B-270C828A9AB7}" sibTransId="{56B5F472-A7CC-4793-9F81-7A457BD89BA9}"/>
     <dgm:cxn modelId="{18D1D8B7-346A-49A2-9594-92ED4DC68725}" type="presOf" srcId="{EB686489-B86F-4383-A8D3-9A490011DFFC}" destId="{7BE8DD00-CB7B-4863-A858-31788497E04D}" srcOrd="0" destOrd="2" presId="urn:diagrams.loki3.com/BracketList+Icon"/>
+    <dgm:cxn modelId="{967B4848-EF25-48DF-A31B-A0E95E7F7E25}" type="presOf" srcId="{166D5789-E04B-4CA4-87E0-2550B98D27A9}" destId="{CE80ECA5-7339-4215-B587-5EFA6BC985C0}" srcOrd="0" destOrd="3" presId="urn:diagrams.loki3.com/BracketList+Icon"/>
+    <dgm:cxn modelId="{195A5839-6CB6-4347-92B3-23793F8F9450}" type="presOf" srcId="{47945883-2B54-4C17-B158-A12E618350DB}" destId="{B517AF31-6FAB-4D9E-8F8E-1D2E5BBE3689}" srcOrd="0" destOrd="0" presId="urn:diagrams.loki3.com/BracketList+Icon"/>
+    <dgm:cxn modelId="{1A4BEDAA-6B7E-46E2-B801-859A0BAEDA3E}" srcId="{DFCABAF1-30BF-4285-B5BB-F0283B22D6A9}" destId="{47945883-2B54-4C17-B158-A12E618350DB}" srcOrd="0" destOrd="0" parTransId="{E997DDAF-D7D3-43B8-898A-4595E56D2B89}" sibTransId="{82B7C5B7-8870-4898-AD56-17BF3A324FD6}"/>
+    <dgm:cxn modelId="{DFC8333B-610A-4B6E-A974-76B83F729977}" srcId="{A45DF65B-6C7A-4C4F-B3E1-83FDC9028B72}" destId="{E14C8476-9103-41DF-A856-EB3AF0FAD2BD}" srcOrd="1" destOrd="0" parTransId="{F7766187-FD28-4498-96AC-4A2ED2EC1075}" sibTransId="{153A422E-A407-46EE-84F0-B082462BACF2}"/>
+    <dgm:cxn modelId="{11A84BFF-FFC6-4C1D-9E99-079D47264213}" type="presOf" srcId="{DFCABAF1-30BF-4285-B5BB-F0283B22D6A9}" destId="{51508A71-7F78-4F04-B594-D1609FA13172}" srcOrd="0" destOrd="0" presId="urn:diagrams.loki3.com/BracketList+Icon"/>
+    <dgm:cxn modelId="{0C65EB0C-1AAA-4409-AE40-4B86F047191D}" srcId="{47945883-2B54-4C17-B158-A12E618350DB}" destId="{D940C2CA-F39B-4F61-AB37-31E6216D07DA}" srcOrd="2" destOrd="0" parTransId="{D418FBE2-02AD-4224-88CD-75EC402EEA43}" sibTransId="{5FF21EEA-4DCE-4916-955A-BBA33049F8F0}"/>
+    <dgm:cxn modelId="{BF8E423A-6A5C-4C3E-AE44-9DFCF91F7045}" srcId="{9C8DAEF8-F5F7-4E9E-A708-54BF0C2BC066}" destId="{EB686489-B86F-4383-A8D3-9A490011DFFC}" srcOrd="2" destOrd="0" parTransId="{ABF637C6-F305-48A0-8258-AD2D59371946}" sibTransId="{F4FAA2D8-87C6-4A09-9056-A9C44F022E54}"/>
+    <dgm:cxn modelId="{71192C2C-1F91-43D9-A28B-DC14ED30E82F}" type="presOf" srcId="{66DF5763-6884-41E8-9591-C2DE67A62467}" destId="{05CC4756-C57D-4808-9390-5827625C87D4}" srcOrd="0" destOrd="0" presId="urn:diagrams.loki3.com/BracketList+Icon"/>
+    <dgm:cxn modelId="{3D39E353-5DB1-4F1A-A508-70E6EB228E02}" type="presOf" srcId="{7E1975B0-E463-42C2-A884-2E03AA7E02F0}" destId="{854727B6-9FD1-448D-8E57-E18FAC4C7C96}" srcOrd="0" destOrd="3" presId="urn:diagrams.loki3.com/BracketList+Icon"/>
+    <dgm:cxn modelId="{EEFE167C-B2C5-45E2-BBC9-63D8B24CB349}" type="presOf" srcId="{262454E9-9EA6-4B2F-955D-BA4C2B0DBB9C}" destId="{CE80ECA5-7339-4215-B587-5EFA6BC985C0}" srcOrd="0" destOrd="1" presId="urn:diagrams.loki3.com/BracketList+Icon"/>
+    <dgm:cxn modelId="{399B9A9B-9860-4643-AFAA-74957F96C98B}" srcId="{376134D9-6ED0-4C6B-9D27-724A974511D4}" destId="{7E1975B0-E463-42C2-A884-2E03AA7E02F0}" srcOrd="3" destOrd="0" parTransId="{F78F40EE-388F-4130-A796-13DCABC68A83}" sibTransId="{BA0DB7B4-AD8B-412F-9345-2ED50FAA2377}"/>
+    <dgm:cxn modelId="{35DA1CCD-6DCC-4AC6-BCC2-E181C65EEB64}" srcId="{9C8DAEF8-F5F7-4E9E-A708-54BF0C2BC066}" destId="{DAACA8BA-9284-4B52-A84F-E6C1A032DB83}" srcOrd="1" destOrd="0" parTransId="{BE087DEA-3406-46A4-8A22-40460728BDB2}" sibTransId="{6E229E8D-85DD-40F5-A875-C5D027DC62F6}"/>
+    <dgm:cxn modelId="{BFB18973-BFDE-402E-ACB6-5D07F461BFCD}" srcId="{376134D9-6ED0-4C6B-9D27-724A974511D4}" destId="{D88C1106-621F-4D51-BBA6-8A2E910DBE22}" srcOrd="1" destOrd="0" parTransId="{8C8D6F1B-F226-4091-BAEC-D74574242C3C}" sibTransId="{C5D75D5F-4659-4762-BBC1-430F7ACB4DBF}"/>
+    <dgm:cxn modelId="{5820BC6F-A73B-4585-9FE0-F36978C00603}" type="presOf" srcId="{A45DF65B-6C7A-4C4F-B3E1-83FDC9028B72}" destId="{A52FDD77-F2B7-4C0B-8E18-88F7006B0E0A}" srcOrd="0" destOrd="0" presId="urn:diagrams.loki3.com/BracketList+Icon"/>
+    <dgm:cxn modelId="{4FA86FBE-8FD7-449A-A210-C152C55ABBA3}" type="presOf" srcId="{C8F061B7-BB00-4966-98B3-24DBD63A3D42}" destId="{7BE8DD00-CB7B-4863-A858-31788497E04D}" srcOrd="0" destOrd="3" presId="urn:diagrams.loki3.com/BracketList+Icon"/>
+    <dgm:cxn modelId="{6312725C-6208-4601-8AD2-DD53EB049908}" type="presOf" srcId="{36DD6872-74EA-4018-A65F-FEA9CC1CED33}" destId="{7BE8DD00-CB7B-4863-A858-31788497E04D}" srcOrd="0" destOrd="4" presId="urn:diagrams.loki3.com/BracketList+Icon"/>
+    <dgm:cxn modelId="{9E369EEA-9B54-442D-8C45-FF8D63CAA4A8}" type="presOf" srcId="{E14C8476-9103-41DF-A856-EB3AF0FAD2BD}" destId="{C88BC2F6-31F3-46B4-8298-F041201A10B8}" srcOrd="0" destOrd="1" presId="urn:diagrams.loki3.com/BracketList+Icon"/>
+    <dgm:cxn modelId="{EB60DAA0-12E4-458B-AA11-A8CD8B062A5F}" srcId="{376134D9-6ED0-4C6B-9D27-724A974511D4}" destId="{371D6EC3-90FC-43E6-BB08-701F534124DB}" srcOrd="2" destOrd="0" parTransId="{C3200525-7E96-4778-9507-43DAF25765B0}" sibTransId="{F0A2A777-BB3B-4402-B47C-651433569785}"/>
+    <dgm:cxn modelId="{F690990B-4ED9-4E41-AD1E-80CCE59961F4}" type="presOf" srcId="{371D6EC3-90FC-43E6-BB08-701F534124DB}" destId="{854727B6-9FD1-448D-8E57-E18FAC4C7C96}" srcOrd="0" destOrd="2" presId="urn:diagrams.loki3.com/BracketList+Icon"/>
+    <dgm:cxn modelId="{ABB010DE-72A5-419F-844A-BA7163697484}" srcId="{9C8DAEF8-F5F7-4E9E-A708-54BF0C2BC066}" destId="{C8F061B7-BB00-4966-98B3-24DBD63A3D42}" srcOrd="3" destOrd="0" parTransId="{56F7A74A-192B-4372-8862-BF8CF6CC5DB1}" sibTransId="{5955B984-41E7-43D1-BFE9-EE039CCA33F4}"/>
+    <dgm:cxn modelId="{0974CE2D-ED92-4344-8FD8-45BAE9E6FF79}" type="presOf" srcId="{17B05AF8-1385-4368-8F57-289399DC0405}" destId="{7BE8DD00-CB7B-4863-A858-31788497E04D}" srcOrd="0" destOrd="0" presId="urn:diagrams.loki3.com/BracketList+Icon"/>
+    <dgm:cxn modelId="{D9640E53-9C70-434E-9582-BA787B96785A}" srcId="{DFCABAF1-30BF-4285-B5BB-F0283B22D6A9}" destId="{A45DF65B-6C7A-4C4F-B3E1-83FDC9028B72}" srcOrd="3" destOrd="0" parTransId="{177CC71D-47AA-47D6-8697-31C8917217FB}" sibTransId="{B522ACF4-4CD2-4059-B2C1-D09B63A01A8E}"/>
+    <dgm:cxn modelId="{E0C91253-294B-477D-9042-691FA731CF28}" type="presOf" srcId="{0B83D85B-29D7-4DBC-91AB-816285522719}" destId="{854727B6-9FD1-448D-8E57-E18FAC4C7C96}" srcOrd="0" destOrd="0" presId="urn:diagrams.loki3.com/BracketList+Icon"/>
+    <dgm:cxn modelId="{FDAAE4BE-AF3C-432D-90C0-2766C26B0910}" type="presOf" srcId="{D88C1106-621F-4D51-BBA6-8A2E910DBE22}" destId="{854727B6-9FD1-448D-8E57-E18FAC4C7C96}" srcOrd="0" destOrd="1" presId="urn:diagrams.loki3.com/BracketList+Icon"/>
+    <dgm:cxn modelId="{0042F0FA-56D3-431A-8231-E5DBFC04D043}" srcId="{9C8DAEF8-F5F7-4E9E-A708-54BF0C2BC066}" destId="{36DD6872-74EA-4018-A65F-FEA9CC1CED33}" srcOrd="4" destOrd="0" parTransId="{92848399-D36D-4091-A9AB-F0983807B910}" sibTransId="{80E0535C-095B-4ECE-84DB-9AF564810A86}"/>
+    <dgm:cxn modelId="{C14E3671-29BF-4BE1-BCF5-AF3247A2AD33}" type="presOf" srcId="{3B0DDAB5-FCA9-43CF-9073-F437B49B1453}" destId="{C88BC2F6-31F3-46B4-8298-F041201A10B8}" srcOrd="0" destOrd="0" presId="urn:diagrams.loki3.com/BracketList+Icon"/>
+    <dgm:cxn modelId="{1E1FA397-B16A-4C0C-A13C-4319F5D4B809}" type="presOf" srcId="{E911D76F-6E03-40B1-92F0-D3111BB2E6A7}" destId="{647408E1-7157-4324-B8E1-B58F089C8EE5}" srcOrd="0" destOrd="0" presId="urn:diagrams.loki3.com/BracketList+Icon"/>
+    <dgm:cxn modelId="{A36FD3BC-15DF-4C91-95A2-CBEAAF7B3CEB}" srcId="{DFCABAF1-30BF-4285-B5BB-F0283B22D6A9}" destId="{376134D9-6ED0-4C6B-9D27-724A974511D4}" srcOrd="1" destOrd="0" parTransId="{0101DEB7-B4C1-41FB-95DB-0BC214CF14FE}" sibTransId="{4C61A3B6-EB5F-4AFE-82F3-0E43055167AA}"/>
+    <dgm:cxn modelId="{265F4744-498D-4B17-9D16-92C93C68B303}" type="presOf" srcId="{32237B8C-9886-4875-8DF9-AE36989B0701}" destId="{647408E1-7157-4324-B8E1-B58F089C8EE5}" srcOrd="0" destOrd="1" presId="urn:diagrams.loki3.com/BracketList+Icon"/>
+    <dgm:cxn modelId="{7673C166-397C-46E8-879E-7C4C4BC4C958}" type="presOf" srcId="{45431640-F7D6-476E-BADE-4284203697DB}" destId="{CE80ECA5-7339-4215-B587-5EFA6BC985C0}" srcOrd="0" destOrd="0" presId="urn:diagrams.loki3.com/BracketList+Icon"/>
+    <dgm:cxn modelId="{DAAB6AF6-445A-47A6-AB9A-30DE1AD2F47E}" type="presOf" srcId="{9C8DAEF8-F5F7-4E9E-A708-54BF0C2BC066}" destId="{C0230830-6CFD-43E3-B7FB-5973B6067B8C}" srcOrd="0" destOrd="0" presId="urn:diagrams.loki3.com/BracketList+Icon"/>
+    <dgm:cxn modelId="{81A3E637-8215-41AC-A548-490E33236ECD}" srcId="{66DF5763-6884-41E8-9591-C2DE67A62467}" destId="{E911D76F-6E03-40B1-92F0-D3111BB2E6A7}" srcOrd="0" destOrd="0" parTransId="{0595C0B1-FD87-475A-9A4A-365A47FD4FC8}" sibTransId="{83992A9C-87EC-42AF-981A-5C6AAB94E092}"/>
+    <dgm:cxn modelId="{BAE77766-91B9-4A1D-BBBC-D90150DC9983}" srcId="{66DF5763-6884-41E8-9591-C2DE67A62467}" destId="{32237B8C-9886-4875-8DF9-AE36989B0701}" srcOrd="1" destOrd="0" parTransId="{E427E88E-A0AC-48F9-BF0D-0238A64E8F14}" sibTransId="{5C66D28D-799A-425F-BD7B-219EECCFBF74}"/>
+    <dgm:cxn modelId="{BEA8588B-C40E-4C5B-BD06-9894D4DEC156}" srcId="{376134D9-6ED0-4C6B-9D27-724A974511D4}" destId="{0B83D85B-29D7-4DBC-91AB-816285522719}" srcOrd="0" destOrd="0" parTransId="{BDA8B636-EAAA-4947-9E82-DB495B1C5524}" sibTransId="{B3038A4D-0DAB-45E9-8D74-98671766AB63}"/>
+    <dgm:cxn modelId="{77BB1523-6FF1-41D9-B1C5-90374AE7C48C}" type="presOf" srcId="{376134D9-6ED0-4C6B-9D27-724A974511D4}" destId="{46C1EFBD-5069-4FD8-9BA0-285C89452E32}" srcOrd="0" destOrd="0" presId="urn:diagrams.loki3.com/BracketList+Icon"/>
+    <dgm:cxn modelId="{5B040760-AE85-4632-B39B-C8C99DB61034}" type="presOf" srcId="{D940C2CA-F39B-4F61-AB37-31E6216D07DA}" destId="{CE80ECA5-7339-4215-B587-5EFA6BC985C0}" srcOrd="0" destOrd="2" presId="urn:diagrams.loki3.com/BracketList+Icon"/>
+    <dgm:cxn modelId="{9A14CDC6-E9D4-47DF-B10B-67E1027A0821}" srcId="{A45DF65B-6C7A-4C4F-B3E1-83FDC9028B72}" destId="{3B0DDAB5-FCA9-43CF-9073-F437B49B1453}" srcOrd="0" destOrd="0" parTransId="{3000F079-706E-4E87-B158-242A3FB73C3A}" sibTransId="{2C19A77F-5593-4DE5-BFEA-1417828E8593}"/>
+    <dgm:cxn modelId="{EF313F55-1135-4989-B74C-EF102EEF41E1}" type="presOf" srcId="{DAACA8BA-9284-4B52-A84F-E6C1A032DB83}" destId="{7BE8DD00-CB7B-4863-A858-31788497E04D}" srcOrd="0" destOrd="1" presId="urn:diagrams.loki3.com/BracketList+Icon"/>
+    <dgm:cxn modelId="{4AB565F3-1D23-4649-A69E-0114345A2396}" srcId="{47945883-2B54-4C17-B158-A12E618350DB}" destId="{45431640-F7D6-476E-BADE-4284203697DB}" srcOrd="0" destOrd="0" parTransId="{D61CA3BF-1533-446F-875D-201340D6C9A9}" sibTransId="{4593AA1A-9633-4D13-8F35-FC7CE2A808B6}"/>
+    <dgm:cxn modelId="{F00A3F35-96B1-40C1-9481-1A0736FF027C}" srcId="{DFCABAF1-30BF-4285-B5BB-F0283B22D6A9}" destId="{9C8DAEF8-F5F7-4E9E-A708-54BF0C2BC066}" srcOrd="2" destOrd="0" parTransId="{74AE1A4C-F2EB-4CF5-BC08-2BE11382BE6E}" sibTransId="{43FE0646-CF39-4B21-B8D8-485BACB6A226}"/>
+    <dgm:cxn modelId="{2BCAFCD5-7E1E-4471-953F-37CD9D329B5F}" srcId="{47945883-2B54-4C17-B158-A12E618350DB}" destId="{262454E9-9EA6-4B2F-955D-BA4C2B0DBB9C}" srcOrd="1" destOrd="0" parTransId="{4BDF2464-13E2-4441-BF0E-0F06E63F059E}" sibTransId="{29F6DD73-86D2-464B-A450-7CEF3705D5D6}"/>
     <dgm:cxn modelId="{E703C551-2F54-4A77-A4B8-E478DB2B023D}" type="presParOf" srcId="{51508A71-7F78-4F04-B594-D1609FA13172}" destId="{4F31CDC8-DC95-4999-9116-9B3822BCCE8B}" srcOrd="0" destOrd="0" presId="urn:diagrams.loki3.com/BracketList+Icon"/>
     <dgm:cxn modelId="{DFD47C3F-C3AA-4D4D-9BA6-315B3137EA0D}" type="presParOf" srcId="{4F31CDC8-DC95-4999-9116-9B3822BCCE8B}" destId="{B517AF31-6FAB-4D9E-8F8E-1D2E5BBE3689}" srcOrd="0" destOrd="0" presId="urn:diagrams.loki3.com/BracketList+Icon"/>
     <dgm:cxn modelId="{99F85ECD-EA5C-40E7-B051-F542155738BD}" type="presParOf" srcId="{4F31CDC8-DC95-4999-9116-9B3822BCCE8B}" destId="{5F3695CA-A401-4E40-B3C9-E0F57C8CF88E}" srcOrd="1" destOrd="0" presId="urn:diagrams.loki3.com/BracketList+Icon"/>
@@ -9689,6 +9783,610 @@
       <dsp:cNvGrpSpPr/>
     </dsp:nvGrpSpPr>
     <dsp:grpSpPr/>
+    <dsp:sp modelId="{A327C96E-F8AC-4CC1-875A-A0BDAC0286D3}">
+      <dsp:nvSpPr>
+        <dsp:cNvPr id="0" name=""/>
+        <dsp:cNvSpPr/>
+      </dsp:nvSpPr>
+      <dsp:spPr>
+        <a:xfrm rot="4396374">
+          <a:off x="1597382" y="972340"/>
+          <a:ext cx="4218165" cy="2941644"/>
+        </a:xfrm>
+        <a:prstGeom prst="swooshArrow">
+          <a:avLst>
+            <a:gd name="adj1" fmla="val 16310"/>
+            <a:gd name="adj2" fmla="val 31370"/>
+          </a:avLst>
+        </a:prstGeom>
+        <a:solidFill>
+          <a:schemeClr val="accent2">
+            <a:hueOff val="0"/>
+            <a:satOff val="0"/>
+            <a:lumOff val="0"/>
+            <a:alphaOff val="0"/>
+          </a:schemeClr>
+        </a:solidFill>
+        <a:ln w="25400" cap="flat" cmpd="sng" algn="ctr">
+          <a:solidFill>
+            <a:schemeClr val="lt1">
+              <a:hueOff val="0"/>
+              <a:satOff val="0"/>
+              <a:lumOff val="0"/>
+              <a:alphaOff val="0"/>
+            </a:schemeClr>
+          </a:solidFill>
+          <a:prstDash val="solid"/>
+        </a:ln>
+        <a:effectLst/>
+      </dsp:spPr>
+      <dsp:style>
+        <a:lnRef idx="2">
+          <a:scrgbClr r="0" g="0" b="0"/>
+        </a:lnRef>
+        <a:fillRef idx="1">
+          <a:scrgbClr r="0" g="0" b="0"/>
+        </a:fillRef>
+        <a:effectRef idx="0">
+          <a:scrgbClr r="0" g="0" b="0"/>
+        </a:effectRef>
+        <a:fontRef idx="minor">
+          <a:schemeClr val="lt1"/>
+        </a:fontRef>
+      </dsp:style>
+    </dsp:sp>
+    <dsp:sp modelId="{03AE760C-73A9-4316-B532-1E0A966372AB}">
+      <dsp:nvSpPr>
+        <dsp:cNvPr id="0" name=""/>
+        <dsp:cNvSpPr/>
+      </dsp:nvSpPr>
+      <dsp:spPr>
+        <a:xfrm>
+          <a:off x="3035083" y="1262626"/>
+          <a:ext cx="106521" cy="106521"/>
+        </a:xfrm>
+        <a:prstGeom prst="ellipse">
+          <a:avLst/>
+        </a:prstGeom>
+        <a:solidFill>
+          <a:schemeClr val="accent2">
+            <a:tint val="40000"/>
+            <a:hueOff val="0"/>
+            <a:satOff val="0"/>
+            <a:lumOff val="0"/>
+            <a:alphaOff val="0"/>
+          </a:schemeClr>
+        </a:solidFill>
+        <a:ln w="25400" cap="flat" cmpd="sng" algn="ctr">
+          <a:solidFill>
+            <a:schemeClr val="lt1">
+              <a:hueOff val="0"/>
+              <a:satOff val="0"/>
+              <a:lumOff val="0"/>
+              <a:alphaOff val="0"/>
+            </a:schemeClr>
+          </a:solidFill>
+          <a:prstDash val="solid"/>
+        </a:ln>
+        <a:effectLst/>
+      </dsp:spPr>
+      <dsp:style>
+        <a:lnRef idx="2">
+          <a:scrgbClr r="0" g="0" b="0"/>
+        </a:lnRef>
+        <a:fillRef idx="1">
+          <a:scrgbClr r="0" g="0" b="0"/>
+        </a:fillRef>
+        <a:effectRef idx="0">
+          <a:scrgbClr r="0" g="0" b="0"/>
+        </a:effectRef>
+        <a:fontRef idx="minor"/>
+      </dsp:style>
+    </dsp:sp>
+    <dsp:sp modelId="{47BF9F4C-C5B1-466F-873C-D33C45DC4973}">
+      <dsp:nvSpPr>
+        <dsp:cNvPr id="0" name=""/>
+        <dsp:cNvSpPr/>
+      </dsp:nvSpPr>
+      <dsp:spPr>
+        <a:xfrm>
+          <a:off x="3636541" y="1724384"/>
+          <a:ext cx="106521" cy="106521"/>
+        </a:xfrm>
+        <a:prstGeom prst="ellipse">
+          <a:avLst/>
+        </a:prstGeom>
+        <a:solidFill>
+          <a:schemeClr val="accent2">
+            <a:tint val="40000"/>
+            <a:hueOff val="0"/>
+            <a:satOff val="0"/>
+            <a:lumOff val="0"/>
+            <a:alphaOff val="0"/>
+          </a:schemeClr>
+        </a:solidFill>
+        <a:ln w="25400" cap="flat" cmpd="sng" algn="ctr">
+          <a:solidFill>
+            <a:schemeClr val="lt1">
+              <a:hueOff val="0"/>
+              <a:satOff val="0"/>
+              <a:lumOff val="0"/>
+              <a:alphaOff val="0"/>
+            </a:schemeClr>
+          </a:solidFill>
+          <a:prstDash val="solid"/>
+        </a:ln>
+        <a:effectLst/>
+      </dsp:spPr>
+      <dsp:style>
+        <a:lnRef idx="2">
+          <a:scrgbClr r="0" g="0" b="0"/>
+        </a:lnRef>
+        <a:fillRef idx="1">
+          <a:scrgbClr r="0" g="0" b="0"/>
+        </a:fillRef>
+        <a:effectRef idx="0">
+          <a:scrgbClr r="0" g="0" b="0"/>
+        </a:effectRef>
+        <a:fontRef idx="minor"/>
+      </dsp:style>
+    </dsp:sp>
+    <dsp:sp modelId="{8F168833-991A-41D3-8DDC-D4D1C8572CEA}">
+      <dsp:nvSpPr>
+        <dsp:cNvPr id="0" name=""/>
+        <dsp:cNvSpPr/>
+      </dsp:nvSpPr>
+      <dsp:spPr>
+        <a:xfrm>
+          <a:off x="4177262" y="2264811"/>
+          <a:ext cx="106521" cy="106521"/>
+        </a:xfrm>
+        <a:prstGeom prst="ellipse">
+          <a:avLst/>
+        </a:prstGeom>
+        <a:solidFill>
+          <a:schemeClr val="accent2">
+            <a:tint val="40000"/>
+            <a:hueOff val="0"/>
+            <a:satOff val="0"/>
+            <a:lumOff val="0"/>
+            <a:alphaOff val="0"/>
+          </a:schemeClr>
+        </a:solidFill>
+        <a:ln w="25400" cap="flat" cmpd="sng" algn="ctr">
+          <a:solidFill>
+            <a:schemeClr val="lt1">
+              <a:hueOff val="0"/>
+              <a:satOff val="0"/>
+              <a:lumOff val="0"/>
+              <a:alphaOff val="0"/>
+            </a:schemeClr>
+          </a:solidFill>
+          <a:prstDash val="solid"/>
+        </a:ln>
+        <a:effectLst/>
+      </dsp:spPr>
+      <dsp:style>
+        <a:lnRef idx="2">
+          <a:scrgbClr r="0" g="0" b="0"/>
+        </a:lnRef>
+        <a:fillRef idx="1">
+          <a:scrgbClr r="0" g="0" b="0"/>
+        </a:fillRef>
+        <a:effectRef idx="0">
+          <a:scrgbClr r="0" g="0" b="0"/>
+        </a:effectRef>
+        <a:fontRef idx="minor"/>
+      </dsp:style>
+    </dsp:sp>
+    <dsp:sp modelId="{0BC1F9E0-3199-4B3E-BB23-AD01105B108E}">
+      <dsp:nvSpPr>
+        <dsp:cNvPr id="0" name=""/>
+        <dsp:cNvSpPr/>
+      </dsp:nvSpPr>
+      <dsp:spPr>
+        <a:xfrm>
+          <a:off x="1314608" y="0"/>
+          <a:ext cx="1988734" cy="781812"/>
+        </a:xfrm>
+        <a:prstGeom prst="rect">
+          <a:avLst/>
+        </a:prstGeom>
+        <a:noFill/>
+        <a:ln>
+          <a:noFill/>
+        </a:ln>
+        <a:effectLst/>
+      </dsp:spPr>
+      <dsp:style>
+        <a:lnRef idx="0">
+          <a:scrgbClr r="0" g="0" b="0"/>
+        </a:lnRef>
+        <a:fillRef idx="0">
+          <a:scrgbClr r="0" g="0" b="0"/>
+        </a:fillRef>
+        <a:effectRef idx="0">
+          <a:scrgbClr r="0" g="0" b="0"/>
+        </a:effectRef>
+        <a:fontRef idx="minor"/>
+      </dsp:style>
+      <dsp:txBody>
+        <a:bodyPr spcFirstLastPara="0" vert="horz" wrap="square" lIns="30480" tIns="30480" rIns="30480" bIns="30480" numCol="1" spcCol="1270" anchor="b" anchorCtr="0">
+          <a:noAutofit/>
+        </a:bodyPr>
+        <a:lstStyle/>
+        <a:p>
+          <a:pPr lvl="0" algn="ctr" defTabSz="1066800">
+            <a:lnSpc>
+              <a:spcPct val="90000"/>
+            </a:lnSpc>
+            <a:spcBef>
+              <a:spcPct val="0"/>
+            </a:spcBef>
+            <a:spcAft>
+              <a:spcPct val="35000"/>
+            </a:spcAft>
+          </a:pPr>
+          <a:r>
+            <a:rPr lang="de-DE" sz="2400" kern="1200" dirty="0" smtClean="0"/>
+            <a:t>Projektleiter</a:t>
+          </a:r>
+          <a:endParaRPr lang="de-DE" sz="2400" kern="1200" dirty="0"/>
+        </a:p>
+      </dsp:txBody>
+      <dsp:txXfrm>
+        <a:off x="1314608" y="0"/>
+        <a:ext cx="1988734" cy="781812"/>
+      </dsp:txXfrm>
+    </dsp:sp>
+    <dsp:sp modelId="{AFA272B7-DB0B-4945-94D0-10376207F702}">
+      <dsp:nvSpPr>
+        <dsp:cNvPr id="0" name=""/>
+        <dsp:cNvSpPr/>
+      </dsp:nvSpPr>
+      <dsp:spPr>
+        <a:xfrm>
+          <a:off x="3733339" y="924981"/>
+          <a:ext cx="2956226" cy="781812"/>
+        </a:xfrm>
+        <a:prstGeom prst="rect">
+          <a:avLst/>
+        </a:prstGeom>
+        <a:noFill/>
+        <a:ln>
+          <a:noFill/>
+        </a:ln>
+        <a:effectLst/>
+      </dsp:spPr>
+      <dsp:style>
+        <a:lnRef idx="0">
+          <a:scrgbClr r="0" g="0" b="0"/>
+        </a:lnRef>
+        <a:fillRef idx="0">
+          <a:scrgbClr r="0" g="0" b="0"/>
+        </a:fillRef>
+        <a:effectRef idx="0">
+          <a:scrgbClr r="0" g="0" b="0"/>
+        </a:effectRef>
+        <a:fontRef idx="minor"/>
+      </dsp:style>
+      <dsp:txBody>
+        <a:bodyPr spcFirstLastPara="0" vert="horz" wrap="square" lIns="30480" tIns="30480" rIns="30480" bIns="30480" numCol="1" spcCol="1270" anchor="ctr" anchorCtr="0">
+          <a:noAutofit/>
+        </a:bodyPr>
+        <a:lstStyle/>
+        <a:p>
+          <a:pPr lvl="0" algn="l" defTabSz="1066800">
+            <a:lnSpc>
+              <a:spcPct val="90000"/>
+            </a:lnSpc>
+            <a:spcBef>
+              <a:spcPct val="0"/>
+            </a:spcBef>
+            <a:spcAft>
+              <a:spcPct val="35000"/>
+            </a:spcAft>
+          </a:pPr>
+          <a:r>
+            <a:rPr lang="de-DE" sz="2400" kern="1200" dirty="0" smtClean="0"/>
+            <a:t>Einteilung in Teams</a:t>
+          </a:r>
+          <a:endParaRPr lang="de-DE" sz="2400" kern="1200" dirty="0"/>
+        </a:p>
+      </dsp:txBody>
+      <dsp:txXfrm>
+        <a:off x="3733339" y="924981"/>
+        <a:ext cx="2956226" cy="781812"/>
+      </dsp:txXfrm>
+    </dsp:sp>
+    <dsp:sp modelId="{3794FB22-D63E-4B5E-B95A-79A32CF55CA2}">
+      <dsp:nvSpPr>
+        <dsp:cNvPr id="0" name=""/>
+        <dsp:cNvSpPr/>
+      </dsp:nvSpPr>
+      <dsp:spPr>
+        <a:xfrm>
+          <a:off x="1314608" y="1386739"/>
+          <a:ext cx="1988734" cy="781812"/>
+        </a:xfrm>
+        <a:prstGeom prst="rect">
+          <a:avLst/>
+        </a:prstGeom>
+        <a:noFill/>
+        <a:ln>
+          <a:noFill/>
+        </a:ln>
+        <a:effectLst/>
+      </dsp:spPr>
+      <dsp:style>
+        <a:lnRef idx="0">
+          <a:scrgbClr r="0" g="0" b="0"/>
+        </a:lnRef>
+        <a:fillRef idx="0">
+          <a:scrgbClr r="0" g="0" b="0"/>
+        </a:fillRef>
+        <a:effectRef idx="0">
+          <a:scrgbClr r="0" g="0" b="0"/>
+        </a:effectRef>
+        <a:fontRef idx="minor"/>
+      </dsp:style>
+      <dsp:txBody>
+        <a:bodyPr spcFirstLastPara="0" vert="horz" wrap="square" lIns="30480" tIns="30480" rIns="30480" bIns="30480" numCol="1" spcCol="1270" anchor="ctr" anchorCtr="0">
+          <a:noAutofit/>
+        </a:bodyPr>
+        <a:lstStyle/>
+        <a:p>
+          <a:pPr lvl="0" algn="r" defTabSz="1066800">
+            <a:lnSpc>
+              <a:spcPct val="90000"/>
+            </a:lnSpc>
+            <a:spcBef>
+              <a:spcPct val="0"/>
+            </a:spcBef>
+            <a:spcAft>
+              <a:spcPct val="35000"/>
+            </a:spcAft>
+          </a:pPr>
+          <a:r>
+            <a:rPr lang="de-DE" sz="2400" kern="1200" dirty="0" smtClean="0"/>
+            <a:t>Definition Teamaufgaben</a:t>
+          </a:r>
+          <a:endParaRPr lang="de-DE" sz="2400" kern="1200" dirty="0"/>
+        </a:p>
+      </dsp:txBody>
+      <dsp:txXfrm>
+        <a:off x="1314608" y="1386739"/>
+        <a:ext cx="1988734" cy="781812"/>
+      </dsp:txXfrm>
+    </dsp:sp>
+    <dsp:sp modelId="{597344FC-43CC-439B-A6B1-48001BED8CAA}">
+      <dsp:nvSpPr>
+        <dsp:cNvPr id="0" name=""/>
+        <dsp:cNvSpPr/>
+      </dsp:nvSpPr>
+      <dsp:spPr>
+        <a:xfrm>
+          <a:off x="4568559" y="2859477"/>
+          <a:ext cx="106521" cy="106521"/>
+        </a:xfrm>
+        <a:prstGeom prst="ellipse">
+          <a:avLst/>
+        </a:prstGeom>
+        <a:solidFill>
+          <a:schemeClr val="accent2">
+            <a:tint val="40000"/>
+            <a:hueOff val="0"/>
+            <a:satOff val="0"/>
+            <a:lumOff val="0"/>
+            <a:alphaOff val="0"/>
+          </a:schemeClr>
+        </a:solidFill>
+        <a:ln w="25400" cap="flat" cmpd="sng" algn="ctr">
+          <a:solidFill>
+            <a:schemeClr val="lt1">
+              <a:hueOff val="0"/>
+              <a:satOff val="0"/>
+              <a:lumOff val="0"/>
+              <a:alphaOff val="0"/>
+            </a:schemeClr>
+          </a:solidFill>
+          <a:prstDash val="solid"/>
+        </a:ln>
+        <a:effectLst/>
+      </dsp:spPr>
+      <dsp:style>
+        <a:lnRef idx="2">
+          <a:scrgbClr r="0" g="0" b="0"/>
+        </a:lnRef>
+        <a:fillRef idx="1">
+          <a:scrgbClr r="0" g="0" b="0"/>
+        </a:fillRef>
+        <a:effectRef idx="0">
+          <a:scrgbClr r="0" g="0" b="0"/>
+        </a:effectRef>
+        <a:fontRef idx="minor"/>
+      </dsp:style>
+    </dsp:sp>
+    <dsp:sp modelId="{CE1358F0-0E01-4633-89C7-B9E8F3BFCA34}">
+      <dsp:nvSpPr>
+        <dsp:cNvPr id="0" name=""/>
+        <dsp:cNvSpPr/>
+      </dsp:nvSpPr>
+      <dsp:spPr>
+        <a:xfrm>
+          <a:off x="4700831" y="1927166"/>
+          <a:ext cx="1988734" cy="781812"/>
+        </a:xfrm>
+        <a:prstGeom prst="rect">
+          <a:avLst/>
+        </a:prstGeom>
+        <a:noFill/>
+        <a:ln>
+          <a:noFill/>
+        </a:ln>
+        <a:effectLst/>
+      </dsp:spPr>
+      <dsp:style>
+        <a:lnRef idx="0">
+          <a:scrgbClr r="0" g="0" b="0"/>
+        </a:lnRef>
+        <a:fillRef idx="0">
+          <a:scrgbClr r="0" g="0" b="0"/>
+        </a:fillRef>
+        <a:effectRef idx="0">
+          <a:scrgbClr r="0" g="0" b="0"/>
+        </a:effectRef>
+        <a:fontRef idx="minor"/>
+      </dsp:style>
+      <dsp:txBody>
+        <a:bodyPr spcFirstLastPara="0" vert="horz" wrap="square" lIns="30480" tIns="30480" rIns="30480" bIns="30480" numCol="1" spcCol="1270" anchor="ctr" anchorCtr="0">
+          <a:noAutofit/>
+        </a:bodyPr>
+        <a:lstStyle/>
+        <a:p>
+          <a:pPr lvl="0" algn="l" defTabSz="1066800">
+            <a:lnSpc>
+              <a:spcPct val="90000"/>
+            </a:lnSpc>
+            <a:spcBef>
+              <a:spcPct val="0"/>
+            </a:spcBef>
+            <a:spcAft>
+              <a:spcPct val="35000"/>
+            </a:spcAft>
+          </a:pPr>
+          <a:r>
+            <a:rPr lang="de-DE" sz="2400" kern="1200" dirty="0" smtClean="0"/>
+            <a:t>Planung in Arbeitspaketen</a:t>
+          </a:r>
+          <a:endParaRPr lang="de-DE" sz="2400" kern="1200" dirty="0"/>
+        </a:p>
+      </dsp:txBody>
+      <dsp:txXfrm>
+        <a:off x="4700831" y="1927166"/>
+        <a:ext cx="1988734" cy="781812"/>
+      </dsp:txXfrm>
+    </dsp:sp>
+    <dsp:sp modelId="{7636A672-5952-47F7-B61A-A4C078E05928}">
+      <dsp:nvSpPr>
+        <dsp:cNvPr id="0" name=""/>
+        <dsp:cNvSpPr/>
+      </dsp:nvSpPr>
+      <dsp:spPr>
+        <a:xfrm>
+          <a:off x="1314608" y="2521832"/>
+          <a:ext cx="2956226" cy="781812"/>
+        </a:xfrm>
+        <a:prstGeom prst="rect">
+          <a:avLst/>
+        </a:prstGeom>
+        <a:noFill/>
+        <a:ln>
+          <a:noFill/>
+        </a:ln>
+        <a:effectLst/>
+      </dsp:spPr>
+      <dsp:style>
+        <a:lnRef idx="0">
+          <a:scrgbClr r="0" g="0" b="0"/>
+        </a:lnRef>
+        <a:fillRef idx="0">
+          <a:scrgbClr r="0" g="0" b="0"/>
+        </a:fillRef>
+        <a:effectRef idx="0">
+          <a:scrgbClr r="0" g="0" b="0"/>
+        </a:effectRef>
+        <a:fontRef idx="minor"/>
+      </dsp:style>
+      <dsp:txBody>
+        <a:bodyPr spcFirstLastPara="0" vert="horz" wrap="square" lIns="30480" tIns="30480" rIns="30480" bIns="30480" numCol="1" spcCol="1270" anchor="ctr" anchorCtr="0">
+          <a:noAutofit/>
+        </a:bodyPr>
+        <a:lstStyle/>
+        <a:p>
+          <a:pPr lvl="0" algn="r" defTabSz="1066800">
+            <a:lnSpc>
+              <a:spcPct val="90000"/>
+            </a:lnSpc>
+            <a:spcBef>
+              <a:spcPct val="0"/>
+            </a:spcBef>
+            <a:spcAft>
+              <a:spcPct val="35000"/>
+            </a:spcAft>
+          </a:pPr>
+          <a:r>
+            <a:rPr lang="de-DE" sz="2400" kern="1200" dirty="0" smtClean="0"/>
+            <a:t>Erläuterung  zu AP1</a:t>
+          </a:r>
+          <a:endParaRPr lang="de-DE" sz="2400" kern="1200" dirty="0"/>
+        </a:p>
+      </dsp:txBody>
+      <dsp:txXfrm>
+        <a:off x="1314608" y="2521832"/>
+        <a:ext cx="2956226" cy="781812"/>
+      </dsp:txXfrm>
+    </dsp:sp>
+    <dsp:sp modelId="{7531189F-428F-410C-B960-9C9A0A632FB3}">
+      <dsp:nvSpPr>
+        <dsp:cNvPr id="0" name=""/>
+        <dsp:cNvSpPr/>
+      </dsp:nvSpPr>
+      <dsp:spPr>
+        <a:xfrm>
+          <a:off x="4002087" y="4104513"/>
+          <a:ext cx="2687478" cy="781812"/>
+        </a:xfrm>
+        <a:prstGeom prst="rect">
+          <a:avLst/>
+        </a:prstGeom>
+        <a:noFill/>
+        <a:ln>
+          <a:noFill/>
+        </a:ln>
+        <a:effectLst/>
+      </dsp:spPr>
+      <dsp:style>
+        <a:lnRef idx="0">
+          <a:scrgbClr r="0" g="0" b="0"/>
+        </a:lnRef>
+        <a:fillRef idx="0">
+          <a:scrgbClr r="0" g="0" b="0"/>
+        </a:fillRef>
+        <a:effectRef idx="0">
+          <a:scrgbClr r="0" g="0" b="0"/>
+        </a:effectRef>
+        <a:fontRef idx="minor"/>
+      </dsp:style>
+      <dsp:txBody>
+        <a:bodyPr spcFirstLastPara="0" vert="horz" wrap="square" lIns="30480" tIns="30480" rIns="30480" bIns="30480" numCol="1" spcCol="1270" anchor="t" anchorCtr="0">
+          <a:noAutofit/>
+        </a:bodyPr>
+        <a:lstStyle/>
+        <a:p>
+          <a:pPr lvl="0" algn="ctr" defTabSz="1066800">
+            <a:lnSpc>
+              <a:spcPct val="90000"/>
+            </a:lnSpc>
+            <a:spcBef>
+              <a:spcPct val="0"/>
+            </a:spcBef>
+            <a:spcAft>
+              <a:spcPct val="35000"/>
+            </a:spcAft>
+          </a:pPr>
+          <a:r>
+            <a:rPr lang="de-DE" sz="2400" kern="1200" dirty="0" smtClean="0"/>
+            <a:t>Projektende</a:t>
+          </a:r>
+          <a:endParaRPr lang="de-DE" sz="2400" kern="1200" dirty="0"/>
+        </a:p>
+      </dsp:txBody>
+      <dsp:txXfrm>
+        <a:off x="4002087" y="4104513"/>
+        <a:ext cx="2687478" cy="781812"/>
+      </dsp:txXfrm>
+    </dsp:sp>
   </dsp:spTree>
 </dsp:drawing>
 </file>
@@ -9701,6 +10399,348 @@
       <dsp:cNvGrpSpPr/>
     </dsp:nvGrpSpPr>
     <dsp:grpSpPr/>
+    <dsp:sp modelId="{1362B5BA-5E29-49DA-B9A5-3C99F20F73EA}">
+      <dsp:nvSpPr>
+        <dsp:cNvPr id="0" name=""/>
+        <dsp:cNvSpPr/>
+      </dsp:nvSpPr>
+      <dsp:spPr>
+        <a:xfrm>
+          <a:off x="39" y="252565"/>
+          <a:ext cx="3740232" cy="1119034"/>
+        </a:xfrm>
+        <a:prstGeom prst="rect">
+          <a:avLst/>
+        </a:prstGeom>
+        <a:solidFill>
+          <a:schemeClr val="accent2">
+            <a:hueOff val="0"/>
+            <a:satOff val="0"/>
+            <a:lumOff val="0"/>
+            <a:alphaOff val="0"/>
+          </a:schemeClr>
+        </a:solidFill>
+        <a:ln w="25400" cap="flat" cmpd="sng" algn="ctr">
+          <a:solidFill>
+            <a:schemeClr val="accent2">
+              <a:hueOff val="0"/>
+              <a:satOff val="0"/>
+              <a:lumOff val="0"/>
+              <a:alphaOff val="0"/>
+            </a:schemeClr>
+          </a:solidFill>
+          <a:prstDash val="solid"/>
+        </a:ln>
+        <a:effectLst/>
+      </dsp:spPr>
+      <dsp:style>
+        <a:lnRef idx="2">
+          <a:scrgbClr r="0" g="0" b="0"/>
+        </a:lnRef>
+        <a:fillRef idx="1">
+          <a:scrgbClr r="0" g="0" b="0"/>
+        </a:fillRef>
+        <a:effectRef idx="0">
+          <a:scrgbClr r="0" g="0" b="0"/>
+        </a:effectRef>
+        <a:fontRef idx="minor">
+          <a:schemeClr val="lt1"/>
+        </a:fontRef>
+      </dsp:style>
+      <dsp:txBody>
+        <a:bodyPr spcFirstLastPara="0" vert="horz" wrap="square" lIns="220472" tIns="125984" rIns="220472" bIns="125984" numCol="1" spcCol="1270" anchor="ctr" anchorCtr="0">
+          <a:noAutofit/>
+        </a:bodyPr>
+        <a:lstStyle/>
+        <a:p>
+          <a:pPr lvl="0" algn="ctr" defTabSz="1377950">
+            <a:lnSpc>
+              <a:spcPct val="90000"/>
+            </a:lnSpc>
+            <a:spcBef>
+              <a:spcPct val="0"/>
+            </a:spcBef>
+            <a:spcAft>
+              <a:spcPct val="35000"/>
+            </a:spcAft>
+          </a:pPr>
+          <a:r>
+            <a:rPr lang="de-DE" sz="3100" kern="1200" dirty="0" smtClean="0"/>
+            <a:t>Aufgaben</a:t>
+          </a:r>
+          <a:endParaRPr lang="de-DE" sz="3100" kern="1200" dirty="0"/>
+        </a:p>
+      </dsp:txBody>
+      <dsp:txXfrm>
+        <a:off x="39" y="252565"/>
+        <a:ext cx="3740232" cy="1119034"/>
+      </dsp:txXfrm>
+    </dsp:sp>
+    <dsp:sp modelId="{35A44200-891F-48F1-97C3-EDFE72F5B4B8}">
+      <dsp:nvSpPr>
+        <dsp:cNvPr id="0" name=""/>
+        <dsp:cNvSpPr/>
+      </dsp:nvSpPr>
+      <dsp:spPr>
+        <a:xfrm>
+          <a:off x="39" y="1371599"/>
+          <a:ext cx="3740232" cy="2808135"/>
+        </a:xfrm>
+        <a:prstGeom prst="rect">
+          <a:avLst/>
+        </a:prstGeom>
+        <a:solidFill>
+          <a:schemeClr val="accent2">
+            <a:alpha val="90000"/>
+            <a:tint val="40000"/>
+            <a:hueOff val="0"/>
+            <a:satOff val="0"/>
+            <a:lumOff val="0"/>
+            <a:alphaOff val="0"/>
+          </a:schemeClr>
+        </a:solidFill>
+        <a:ln w="25400" cap="flat" cmpd="sng" algn="ctr">
+          <a:solidFill>
+            <a:schemeClr val="accent2">
+              <a:alpha val="90000"/>
+              <a:tint val="40000"/>
+              <a:hueOff val="0"/>
+              <a:satOff val="0"/>
+              <a:lumOff val="0"/>
+              <a:alphaOff val="0"/>
+            </a:schemeClr>
+          </a:solidFill>
+          <a:prstDash val="solid"/>
+        </a:ln>
+        <a:effectLst/>
+      </dsp:spPr>
+      <dsp:style>
+        <a:lnRef idx="2">
+          <a:scrgbClr r="0" g="0" b="0"/>
+        </a:lnRef>
+        <a:fillRef idx="1">
+          <a:scrgbClr r="0" g="0" b="0"/>
+        </a:fillRef>
+        <a:effectRef idx="0">
+          <a:scrgbClr r="0" g="0" b="0"/>
+        </a:effectRef>
+        <a:fontRef idx="minor"/>
+      </dsp:style>
+      <dsp:txBody>
+        <a:bodyPr spcFirstLastPara="0" vert="horz" wrap="square" lIns="165354" tIns="165354" rIns="220472" bIns="248031" numCol="1" spcCol="1270" anchor="t" anchorCtr="0">
+          <a:noAutofit/>
+        </a:bodyPr>
+        <a:lstStyle/>
+        <a:p>
+          <a:pPr marL="285750" lvl="1" indent="-285750" algn="l" defTabSz="1377950">
+            <a:lnSpc>
+              <a:spcPct val="90000"/>
+            </a:lnSpc>
+            <a:spcBef>
+              <a:spcPct val="0"/>
+            </a:spcBef>
+            <a:spcAft>
+              <a:spcPct val="15000"/>
+            </a:spcAft>
+            <a:buChar char="••"/>
+          </a:pPr>
+          <a:r>
+            <a:rPr lang="de-DE" sz="3100" kern="1200" dirty="0" smtClean="0"/>
+            <a:t>Projektplanung</a:t>
+          </a:r>
+          <a:endParaRPr lang="de-DE" sz="3100" kern="1200" dirty="0"/>
+        </a:p>
+        <a:p>
+          <a:pPr marL="285750" lvl="1" indent="-285750" algn="l" defTabSz="1377950">
+            <a:lnSpc>
+              <a:spcPct val="90000"/>
+            </a:lnSpc>
+            <a:spcBef>
+              <a:spcPct val="0"/>
+            </a:spcBef>
+            <a:spcAft>
+              <a:spcPct val="15000"/>
+            </a:spcAft>
+            <a:buChar char="••"/>
+          </a:pPr>
+          <a:r>
+            <a:rPr lang="de-DE" sz="3100" kern="1200" dirty="0" smtClean="0"/>
+            <a:t>Meetings vor- und nachbereiten</a:t>
+          </a:r>
+          <a:endParaRPr lang="de-DE" sz="3100" kern="1200" dirty="0"/>
+        </a:p>
+        <a:p>
+          <a:pPr marL="285750" lvl="1" indent="-285750" algn="l" defTabSz="1377950">
+            <a:lnSpc>
+              <a:spcPct val="90000"/>
+            </a:lnSpc>
+            <a:spcBef>
+              <a:spcPct val="0"/>
+            </a:spcBef>
+            <a:spcAft>
+              <a:spcPct val="15000"/>
+            </a:spcAft>
+            <a:buChar char="••"/>
+          </a:pPr>
+          <a:r>
+            <a:rPr lang="de-DE" sz="3100" kern="1200" dirty="0" smtClean="0"/>
+            <a:t>Projekt-Controlling</a:t>
+          </a:r>
+          <a:endParaRPr lang="de-DE" sz="3100" kern="1200" dirty="0"/>
+        </a:p>
+        <a:p>
+          <a:pPr marL="285750" lvl="1" indent="-285750" algn="l" defTabSz="1377950">
+            <a:lnSpc>
+              <a:spcPct val="90000"/>
+            </a:lnSpc>
+            <a:spcBef>
+              <a:spcPct val="0"/>
+            </a:spcBef>
+            <a:spcAft>
+              <a:spcPct val="15000"/>
+            </a:spcAft>
+            <a:buChar char="••"/>
+          </a:pPr>
+          <a:r>
+            <a:rPr lang="de-DE" sz="3100" kern="1200" dirty="0" smtClean="0"/>
+            <a:t>Teameinteilung</a:t>
+          </a:r>
+          <a:endParaRPr lang="de-DE" sz="3100" kern="1200" dirty="0"/>
+        </a:p>
+      </dsp:txBody>
+      <dsp:txXfrm>
+        <a:off x="39" y="1371599"/>
+        <a:ext cx="3740232" cy="2808135"/>
+      </dsp:txXfrm>
+    </dsp:sp>
+    <dsp:sp modelId="{ED635B13-4DDA-4FD1-9E40-6AFFB2AA8EB3}">
+      <dsp:nvSpPr>
+        <dsp:cNvPr id="0" name=""/>
+        <dsp:cNvSpPr/>
+      </dsp:nvSpPr>
+      <dsp:spPr>
+        <a:xfrm>
+          <a:off x="4263903" y="252565"/>
+          <a:ext cx="3740232" cy="1119034"/>
+        </a:xfrm>
+        <a:prstGeom prst="rect">
+          <a:avLst/>
+        </a:prstGeom>
+        <a:solidFill>
+          <a:schemeClr val="accent2">
+            <a:hueOff val="0"/>
+            <a:satOff val="0"/>
+            <a:lumOff val="0"/>
+            <a:alphaOff val="0"/>
+          </a:schemeClr>
+        </a:solidFill>
+        <a:ln w="25400" cap="flat" cmpd="sng" algn="ctr">
+          <a:solidFill>
+            <a:schemeClr val="accent2">
+              <a:hueOff val="0"/>
+              <a:satOff val="0"/>
+              <a:lumOff val="0"/>
+              <a:alphaOff val="0"/>
+            </a:schemeClr>
+          </a:solidFill>
+          <a:prstDash val="solid"/>
+        </a:ln>
+        <a:effectLst/>
+      </dsp:spPr>
+      <dsp:style>
+        <a:lnRef idx="2">
+          <a:scrgbClr r="0" g="0" b="0"/>
+        </a:lnRef>
+        <a:fillRef idx="1">
+          <a:scrgbClr r="0" g="0" b="0"/>
+        </a:fillRef>
+        <a:effectRef idx="0">
+          <a:scrgbClr r="0" g="0" b="0"/>
+        </a:effectRef>
+        <a:fontRef idx="minor">
+          <a:schemeClr val="lt1"/>
+        </a:fontRef>
+      </dsp:style>
+      <dsp:txBody>
+        <a:bodyPr spcFirstLastPara="0" vert="horz" wrap="square" lIns="220472" tIns="125984" rIns="220472" bIns="125984" numCol="1" spcCol="1270" anchor="ctr" anchorCtr="0">
+          <a:noAutofit/>
+        </a:bodyPr>
+        <a:lstStyle/>
+        <a:p>
+          <a:pPr lvl="0" algn="ctr" defTabSz="1377950">
+            <a:lnSpc>
+              <a:spcPct val="90000"/>
+            </a:lnSpc>
+            <a:spcBef>
+              <a:spcPct val="0"/>
+            </a:spcBef>
+            <a:spcAft>
+              <a:spcPct val="35000"/>
+            </a:spcAft>
+          </a:pPr>
+          <a:r>
+            <a:rPr lang="de-DE" sz="3100" kern="1200" dirty="0" smtClean="0"/>
+            <a:t>Durchgeführte Maßnahmen</a:t>
+          </a:r>
+          <a:endParaRPr lang="de-DE" sz="3100" kern="1200" dirty="0"/>
+        </a:p>
+      </dsp:txBody>
+      <dsp:txXfrm>
+        <a:off x="4263903" y="252565"/>
+        <a:ext cx="3740232" cy="1119034"/>
+      </dsp:txXfrm>
+    </dsp:sp>
+    <dsp:sp modelId="{7F16DE80-7C07-4532-A278-A4E681DFBAC0}">
+      <dsp:nvSpPr>
+        <dsp:cNvPr id="0" name=""/>
+        <dsp:cNvSpPr/>
+      </dsp:nvSpPr>
+      <dsp:spPr>
+        <a:xfrm>
+          <a:off x="4263903" y="1371599"/>
+          <a:ext cx="3740232" cy="2808135"/>
+        </a:xfrm>
+        <a:prstGeom prst="rect">
+          <a:avLst/>
+        </a:prstGeom>
+        <a:solidFill>
+          <a:schemeClr val="accent2">
+            <a:alpha val="90000"/>
+            <a:tint val="40000"/>
+            <a:hueOff val="0"/>
+            <a:satOff val="0"/>
+            <a:lumOff val="0"/>
+            <a:alphaOff val="0"/>
+          </a:schemeClr>
+        </a:solidFill>
+        <a:ln w="25400" cap="flat" cmpd="sng" algn="ctr">
+          <a:solidFill>
+            <a:schemeClr val="accent2">
+              <a:alpha val="90000"/>
+              <a:tint val="40000"/>
+              <a:hueOff val="0"/>
+              <a:satOff val="0"/>
+              <a:lumOff val="0"/>
+              <a:alphaOff val="0"/>
+            </a:schemeClr>
+          </a:solidFill>
+          <a:prstDash val="solid"/>
+        </a:ln>
+        <a:effectLst/>
+      </dsp:spPr>
+      <dsp:style>
+        <a:lnRef idx="2">
+          <a:scrgbClr r="0" g="0" b="0"/>
+        </a:lnRef>
+        <a:fillRef idx="1">
+          <a:scrgbClr r="0" g="0" b="0"/>
+        </a:fillRef>
+        <a:effectRef idx="0">
+          <a:scrgbClr r="0" g="0" b="0"/>
+        </a:effectRef>
+        <a:fontRef idx="minor"/>
+      </dsp:style>
+    </dsp:sp>
   </dsp:spTree>
 </dsp:drawing>
 </file>
@@ -9713,6 +10753,353 @@
       <dsp:cNvGrpSpPr/>
     </dsp:nvGrpSpPr>
     <dsp:grpSpPr/>
+    <dsp:sp modelId="{382C58F1-58C8-43A7-9CD6-8AAF1A3D7EE6}">
+      <dsp:nvSpPr>
+        <dsp:cNvPr id="0" name=""/>
+        <dsp:cNvSpPr/>
+      </dsp:nvSpPr>
+      <dsp:spPr>
+        <a:xfrm>
+          <a:off x="0" y="83713"/>
+          <a:ext cx="8003692" cy="551655"/>
+        </a:xfrm>
+        <a:prstGeom prst="roundRect">
+          <a:avLst/>
+        </a:prstGeom>
+        <a:solidFill>
+          <a:schemeClr val="accent2">
+            <a:hueOff val="0"/>
+            <a:satOff val="0"/>
+            <a:lumOff val="0"/>
+            <a:alphaOff val="0"/>
+          </a:schemeClr>
+        </a:solidFill>
+        <a:ln w="25400" cap="flat" cmpd="sng" algn="ctr">
+          <a:solidFill>
+            <a:schemeClr val="lt1">
+              <a:hueOff val="0"/>
+              <a:satOff val="0"/>
+              <a:lumOff val="0"/>
+              <a:alphaOff val="0"/>
+            </a:schemeClr>
+          </a:solidFill>
+          <a:prstDash val="solid"/>
+        </a:ln>
+        <a:effectLst/>
+      </dsp:spPr>
+      <dsp:style>
+        <a:lnRef idx="2">
+          <a:scrgbClr r="0" g="0" b="0"/>
+        </a:lnRef>
+        <a:fillRef idx="1">
+          <a:scrgbClr r="0" g="0" b="0"/>
+        </a:fillRef>
+        <a:effectRef idx="0">
+          <a:scrgbClr r="0" g="0" b="0"/>
+        </a:effectRef>
+        <a:fontRef idx="minor">
+          <a:schemeClr val="lt1"/>
+        </a:fontRef>
+      </dsp:style>
+      <dsp:txBody>
+        <a:bodyPr spcFirstLastPara="0" vert="horz" wrap="square" lIns="87630" tIns="87630" rIns="87630" bIns="87630" numCol="1" spcCol="1270" anchor="ctr" anchorCtr="0">
+          <a:noAutofit/>
+        </a:bodyPr>
+        <a:lstStyle/>
+        <a:p>
+          <a:pPr lvl="0" algn="l" defTabSz="1022350" rtl="0">
+            <a:lnSpc>
+              <a:spcPct val="90000"/>
+            </a:lnSpc>
+            <a:spcBef>
+              <a:spcPct val="0"/>
+            </a:spcBef>
+            <a:spcAft>
+              <a:spcPct val="35000"/>
+            </a:spcAft>
+          </a:pPr>
+          <a:r>
+            <a:rPr lang="de-DE" sz="2300" b="1" kern="1200" smtClean="0"/>
+            <a:t>Maßnahmen und Aufgaben des Projektleiters (PL):</a:t>
+          </a:r>
+          <a:endParaRPr lang="de-DE" sz="2300" kern="1200"/>
+        </a:p>
+      </dsp:txBody>
+      <dsp:txXfrm>
+        <a:off x="26930" y="110643"/>
+        <a:ext cx="7949832" cy="497795"/>
+      </dsp:txXfrm>
+    </dsp:sp>
+    <dsp:sp modelId="{F93867B5-1B91-4CF3-8048-4F5AE65BEBB2}">
+      <dsp:nvSpPr>
+        <dsp:cNvPr id="0" name=""/>
+        <dsp:cNvSpPr/>
+      </dsp:nvSpPr>
+      <dsp:spPr>
+        <a:xfrm>
+          <a:off x="0" y="635368"/>
+          <a:ext cx="8003692" cy="3713580"/>
+        </a:xfrm>
+        <a:prstGeom prst="rect">
+          <a:avLst/>
+        </a:prstGeom>
+        <a:noFill/>
+        <a:ln>
+          <a:noFill/>
+        </a:ln>
+        <a:effectLst/>
+      </dsp:spPr>
+      <dsp:style>
+        <a:lnRef idx="0">
+          <a:scrgbClr r="0" g="0" b="0"/>
+        </a:lnRef>
+        <a:fillRef idx="0">
+          <a:scrgbClr r="0" g="0" b="0"/>
+        </a:fillRef>
+        <a:effectRef idx="0">
+          <a:scrgbClr r="0" g="0" b="0"/>
+        </a:effectRef>
+        <a:fontRef idx="minor"/>
+      </dsp:style>
+      <dsp:txBody>
+        <a:bodyPr spcFirstLastPara="0" vert="horz" wrap="square" lIns="254117" tIns="29210" rIns="163576" bIns="29210" numCol="1" spcCol="1270" anchor="t" anchorCtr="0">
+          <a:noAutofit/>
+        </a:bodyPr>
+        <a:lstStyle/>
+        <a:p>
+          <a:pPr marL="171450" lvl="1" indent="-171450" algn="l" defTabSz="800100" rtl="0">
+            <a:lnSpc>
+              <a:spcPct val="90000"/>
+            </a:lnSpc>
+            <a:spcBef>
+              <a:spcPct val="0"/>
+            </a:spcBef>
+            <a:spcAft>
+              <a:spcPct val="20000"/>
+            </a:spcAft>
+            <a:buChar char="••"/>
+          </a:pPr>
+          <a:r>
+            <a:rPr lang="de-DE" sz="1800" kern="1200" smtClean="0"/>
+            <a:t>Jeden Mittwoch nur Meeting</a:t>
+          </a:r>
+          <a:endParaRPr lang="de-DE" sz="1800" kern="1200"/>
+        </a:p>
+        <a:p>
+          <a:pPr marL="171450" lvl="1" indent="-171450" algn="l" defTabSz="800100" rtl="0">
+            <a:lnSpc>
+              <a:spcPct val="90000"/>
+            </a:lnSpc>
+            <a:spcBef>
+              <a:spcPct val="0"/>
+            </a:spcBef>
+            <a:spcAft>
+              <a:spcPct val="20000"/>
+            </a:spcAft>
+            <a:buChar char="••"/>
+          </a:pPr>
+          <a:r>
+            <a:rPr lang="de-DE" sz="1800" kern="1200" smtClean="0"/>
+            <a:t>Fester Meeting-Ablauf</a:t>
+          </a:r>
+          <a:endParaRPr lang="de-DE" sz="1800" kern="1200"/>
+        </a:p>
+        <a:p>
+          <a:pPr marL="171450" lvl="1" indent="-171450" algn="l" defTabSz="800100" rtl="0">
+            <a:lnSpc>
+              <a:spcPct val="90000"/>
+            </a:lnSpc>
+            <a:spcBef>
+              <a:spcPct val="0"/>
+            </a:spcBef>
+            <a:spcAft>
+              <a:spcPct val="20000"/>
+            </a:spcAft>
+            <a:buChar char="••"/>
+          </a:pPr>
+          <a:r>
+            <a:rPr lang="de-DE" sz="1800" kern="1200" dirty="0" smtClean="0"/>
+            <a:t>Tagesordnung ab Mo 20.00 Uhr fest</a:t>
+          </a:r>
+          <a:endParaRPr lang="de-DE" sz="1800" kern="1200" dirty="0"/>
+        </a:p>
+        <a:p>
+          <a:pPr marL="171450" lvl="1" indent="-171450" algn="l" defTabSz="800100" rtl="0">
+            <a:lnSpc>
+              <a:spcPct val="90000"/>
+            </a:lnSpc>
+            <a:spcBef>
+              <a:spcPct val="0"/>
+            </a:spcBef>
+            <a:spcAft>
+              <a:spcPct val="20000"/>
+            </a:spcAft>
+            <a:buChar char="••"/>
+          </a:pPr>
+          <a:r>
+            <a:rPr lang="de-DE" sz="1800" kern="1200" dirty="0" smtClean="0"/>
+            <a:t>Einteilung in Teams</a:t>
+          </a:r>
+          <a:endParaRPr lang="de-DE" sz="1800" kern="1200" dirty="0"/>
+        </a:p>
+        <a:p>
+          <a:pPr marL="171450" lvl="1" indent="-171450" algn="l" defTabSz="800100" rtl="0">
+            <a:lnSpc>
+              <a:spcPct val="90000"/>
+            </a:lnSpc>
+            <a:spcBef>
+              <a:spcPct val="0"/>
+            </a:spcBef>
+            <a:spcAft>
+              <a:spcPct val="20000"/>
+            </a:spcAft>
+            <a:buChar char="••"/>
+          </a:pPr>
+          <a:r>
+            <a:rPr lang="de-DE" sz="1800" kern="1200" smtClean="0"/>
+            <a:t>Aufteilung des Workloads in Arbeitspakete (später mehr)</a:t>
+          </a:r>
+          <a:endParaRPr lang="de-DE" sz="1800" kern="1200"/>
+        </a:p>
+        <a:p>
+          <a:pPr marL="171450" lvl="1" indent="-171450" algn="l" defTabSz="800100" rtl="0">
+            <a:lnSpc>
+              <a:spcPct val="90000"/>
+            </a:lnSpc>
+            <a:spcBef>
+              <a:spcPct val="0"/>
+            </a:spcBef>
+            <a:spcAft>
+              <a:spcPct val="20000"/>
+            </a:spcAft>
+            <a:buChar char="••"/>
+          </a:pPr>
+          <a:r>
+            <a:rPr lang="de-DE" sz="1800" kern="1200" dirty="0" smtClean="0"/>
+            <a:t>Teilteams (bzw. deren Leiter) stellen Fortschritt vor</a:t>
+          </a:r>
+          <a:endParaRPr lang="de-DE" sz="1800" kern="1200" dirty="0"/>
+        </a:p>
+        <a:p>
+          <a:pPr marL="171450" lvl="1" indent="-171450" algn="l" defTabSz="800100" rtl="0">
+            <a:lnSpc>
+              <a:spcPct val="90000"/>
+            </a:lnSpc>
+            <a:spcBef>
+              <a:spcPct val="0"/>
+            </a:spcBef>
+            <a:spcAft>
+              <a:spcPct val="20000"/>
+            </a:spcAft>
+            <a:buChar char="••"/>
+          </a:pPr>
+          <a:r>
+            <a:rPr lang="de-DE" sz="1800" kern="1200" dirty="0" smtClean="0"/>
+            <a:t>Ist/Soll-Vergleich</a:t>
+          </a:r>
+          <a:endParaRPr lang="de-DE" sz="1800" kern="1200" dirty="0"/>
+        </a:p>
+        <a:p>
+          <a:pPr marL="171450" lvl="1" indent="-171450" algn="l" defTabSz="800100" rtl="0">
+            <a:lnSpc>
+              <a:spcPct val="90000"/>
+            </a:lnSpc>
+            <a:spcBef>
+              <a:spcPct val="0"/>
+            </a:spcBef>
+            <a:spcAft>
+              <a:spcPct val="20000"/>
+            </a:spcAft>
+            <a:buChar char="••"/>
+          </a:pPr>
+          <a:r>
+            <a:rPr lang="de-DE" sz="1800" kern="1200" dirty="0" smtClean="0"/>
+            <a:t>Risikoanalyse</a:t>
+          </a:r>
+          <a:endParaRPr lang="de-DE" sz="1800" kern="1200" dirty="0"/>
+        </a:p>
+        <a:p>
+          <a:pPr marL="171450" lvl="1" indent="-171450" algn="l" defTabSz="800100" rtl="0">
+            <a:lnSpc>
+              <a:spcPct val="90000"/>
+            </a:lnSpc>
+            <a:spcBef>
+              <a:spcPct val="0"/>
+            </a:spcBef>
+            <a:spcAft>
+              <a:spcPct val="20000"/>
+            </a:spcAft>
+            <a:buChar char="••"/>
+          </a:pPr>
+          <a:r>
+            <a:rPr lang="de-DE" sz="1800" kern="1200" dirty="0" smtClean="0"/>
+            <a:t>Ansprechen von Problem/Lösungsvorschlägen</a:t>
+          </a:r>
+          <a:endParaRPr lang="de-DE" sz="1800" kern="1200" dirty="0"/>
+        </a:p>
+        <a:p>
+          <a:pPr marL="171450" lvl="1" indent="-171450" algn="l" defTabSz="800100" rtl="0">
+            <a:lnSpc>
+              <a:spcPct val="90000"/>
+            </a:lnSpc>
+            <a:spcBef>
+              <a:spcPct val="0"/>
+            </a:spcBef>
+            <a:spcAft>
+              <a:spcPct val="20000"/>
+            </a:spcAft>
+            <a:buChar char="••"/>
+          </a:pPr>
+          <a:r>
+            <a:rPr lang="de-DE" sz="1800" kern="1200" dirty="0" smtClean="0"/>
+            <a:t>PL moderiert und protokolliert</a:t>
+          </a:r>
+          <a:endParaRPr lang="de-DE" sz="1800" kern="1200" dirty="0"/>
+        </a:p>
+        <a:p>
+          <a:pPr marL="171450" lvl="1" indent="-171450" algn="l" defTabSz="800100" rtl="0">
+            <a:lnSpc>
+              <a:spcPct val="90000"/>
+            </a:lnSpc>
+            <a:spcBef>
+              <a:spcPct val="0"/>
+            </a:spcBef>
+            <a:spcAft>
+              <a:spcPct val="20000"/>
+            </a:spcAft>
+            <a:buChar char="••"/>
+          </a:pPr>
+          <a:r>
+            <a:rPr lang="de-DE" sz="1800" kern="1200" dirty="0" smtClean="0"/>
+            <a:t>Protokoll am selben Tag für alle zugänglich</a:t>
+          </a:r>
+          <a:endParaRPr lang="de-DE" sz="1800" kern="1200" dirty="0"/>
+        </a:p>
+        <a:p>
+          <a:pPr marL="171450" lvl="1" indent="-171450" algn="l" defTabSz="800100" rtl="0">
+            <a:lnSpc>
+              <a:spcPct val="90000"/>
+            </a:lnSpc>
+            <a:spcBef>
+              <a:spcPct val="0"/>
+            </a:spcBef>
+            <a:spcAft>
+              <a:spcPct val="20000"/>
+            </a:spcAft>
+            <a:buChar char="••"/>
+          </a:pPr>
+          <a:r>
+            <a:rPr lang="de-DE" sz="1800" kern="1200" dirty="0" smtClean="0"/>
+            <a:t>Planung für die nächste Woche</a:t>
+          </a:r>
+          <a:endParaRPr lang="de-DE" sz="1800" kern="1200" dirty="0"/>
+        </a:p>
+      </dsp:txBody>
+      <dsp:txXfrm>
+        <a:off x="0" y="635368"/>
+        <a:ext cx="8003692" cy="3713580"/>
+      </dsp:txXfrm>
+    </dsp:sp>
   </dsp:spTree>
 </dsp:drawing>
 </file>
@@ -10848,6 +12235,63 @@
           </a:pPr>
           <a:r>
             <a:rPr lang="de-DE" sz="1300" b="1" kern="1200" dirty="0" smtClean="0"/>
+            <a:t>Team Knowledge Base</a:t>
+          </a:r>
+          <a:endParaRPr lang="de-DE" sz="1300" b="1" kern="1200" dirty="0"/>
+        </a:p>
+        <a:p>
+          <a:pPr marL="228600" lvl="2" indent="-114300" algn="l" defTabSz="577850" rtl="0">
+            <a:lnSpc>
+              <a:spcPct val="90000"/>
+            </a:lnSpc>
+            <a:spcBef>
+              <a:spcPct val="0"/>
+            </a:spcBef>
+            <a:spcAft>
+              <a:spcPct val="15000"/>
+            </a:spcAft>
+            <a:buChar char="••"/>
+          </a:pPr>
+          <a:r>
+            <a:rPr lang="de-DE" sz="1300" b="0" kern="1200" dirty="0" smtClean="0"/>
+            <a:t>Einrichten einer Knowledge Base</a:t>
+          </a:r>
+          <a:endParaRPr lang="de-DE" sz="1300" b="0" kern="1200" dirty="0"/>
+        </a:p>
+        <a:p>
+          <a:pPr marL="228600" lvl="2" indent="-114300" algn="l" defTabSz="577850" rtl="0">
+            <a:lnSpc>
+              <a:spcPct val="90000"/>
+            </a:lnSpc>
+            <a:spcBef>
+              <a:spcPct val="0"/>
+            </a:spcBef>
+            <a:spcAft>
+              <a:spcPct val="15000"/>
+            </a:spcAft>
+            <a:buChar char="••"/>
+          </a:pPr>
+          <a:r>
+            <a:rPr lang="de-DE" sz="1300" b="0" kern="1200" dirty="0" smtClean="0"/>
+            <a:t>2P</a:t>
+          </a:r>
+          <a:endParaRPr lang="de-DE" sz="1300" b="0" kern="1200" dirty="0"/>
+        </a:p>
+        <a:p>
+          <a:pPr marL="114300" lvl="1" indent="-114300" algn="l" defTabSz="577850" rtl="0">
+            <a:lnSpc>
+              <a:spcPct val="90000"/>
+            </a:lnSpc>
+            <a:spcBef>
+              <a:spcPct val="0"/>
+            </a:spcBef>
+            <a:spcAft>
+              <a:spcPct val="15000"/>
+            </a:spcAft>
+            <a:buChar char="••"/>
+          </a:pPr>
+          <a:r>
+            <a:rPr lang="de-DE" sz="1300" b="1" kern="1200" dirty="0" smtClean="0"/>
             <a:t>Team UML</a:t>
           </a:r>
           <a:endParaRPr lang="de-DE" sz="1300" b="1" kern="1200" dirty="0"/>
@@ -10886,7 +12330,7 @@
           </a:pPr>
           <a:r>
             <a:rPr lang="de-DE" sz="1300" b="0" kern="1200" dirty="0" smtClean="0"/>
-            <a:t>5P</a:t>
+            <a:t>3P</a:t>
           </a:r>
           <a:endParaRPr lang="de-DE" sz="1300" b="0" kern="1200" dirty="0"/>
         </a:p>
@@ -10948,25 +12392,6 @@
           <a:r>
             <a:rPr lang="de-DE" sz="1300" b="0" kern="1200" dirty="0" smtClean="0"/>
             <a:t>-Pflege</a:t>
-          </a:r>
-          <a:endParaRPr lang="de-DE" sz="1300" b="0" kern="1200" dirty="0"/>
-        </a:p>
-        <a:p>
-          <a:pPr marL="228600" lvl="2" indent="-114300" algn="l" defTabSz="577850" rtl="0">
-            <a:lnSpc>
-              <a:spcPct val="90000"/>
-            </a:lnSpc>
-            <a:spcBef>
-              <a:spcPct val="0"/>
-            </a:spcBef>
-            <a:spcAft>
-              <a:spcPct val="15000"/>
-            </a:spcAft>
-            <a:buChar char="••"/>
-          </a:pPr>
-          <a:r>
-            <a:rPr lang="de-DE" sz="1300" b="0" kern="1200" dirty="0" smtClean="0"/>
-            <a:t>Pflege Knowledge Base </a:t>
           </a:r>
           <a:endParaRPr lang="de-DE" sz="1300" b="0" kern="1200" dirty="0"/>
         </a:p>
@@ -25029,7 +26454,7 @@
             <p:ph idx="1"/>
             <p:extLst>
               <p:ext uri="{D42A27DB-BD31-4B8C-83A1-F6EECF244321}">
-                <p14:modId xmlns:p14="http://schemas.microsoft.com/office/powerpoint/2010/main" val="743047479"/>
+                <p14:modId xmlns:p14="http://schemas.microsoft.com/office/powerpoint/2010/main" val="3084660003"/>
               </p:ext>
             </p:extLst>
           </p:nvPr>
@@ -25357,6 +26782,13 @@
   <p:clrMapOvr>
     <a:masterClrMapping/>
   </p:clrMapOvr>
+  <p:timing>
+    <p:tnLst>
+      <p:par>
+        <p:cTn id="1" dur="indefinite" restart="never" nodeType="tmRoot"/>
+      </p:par>
+    </p:tnLst>
+  </p:timing>
 </p:sld>
 </file>
 
